--- a/docs/report.pptx
+++ b/docs/report.pptx
@@ -20,79 +20,89 @@
     <p:sldId id="265" r:id="rId17"/>
     <p:sldId id="266" r:id="rId18"/>
     <p:sldId id="267" r:id="rId19"/>
+    <p:sldId id="268" r:id="rId20"/>
+    <p:sldId id="269" r:id="rId21"/>
+    <p:sldId id="270" r:id="rId22"/>
+    <p:sldId id="271" r:id="rId23"/>
+    <p:sldId id="272" r:id="rId24"/>
+    <p:sldId id="273" r:id="rId25"/>
+    <p:sldId id="274" r:id="rId26"/>
+    <p:sldId id="275" r:id="rId27"/>
+    <p:sldId id="276" r:id="rId28"/>
+    <p:sldId id="277" r:id="rId29"/>
   </p:sldIdLst>
   <p:sldSz cx="13004800" cy="9753600"/>
   <p:notesSz cx="6858000" cy="9144000"/>
   <p:defaultTextStyle>
     <a:lvl1pPr algn="ctr" defTabSz="584200">
       <a:defRPr sz="3600">
-        <a:latin typeface="+mn-lt"/>
-        <a:ea typeface="+mn-ea"/>
-        <a:cs typeface="+mn-cs"/>
+        <a:latin typeface="Helvetica Light"/>
+        <a:ea typeface="Helvetica Light"/>
+        <a:cs typeface="Helvetica Light"/>
         <a:sym typeface="Helvetica Light"/>
       </a:defRPr>
     </a:lvl1pPr>
-    <a:lvl2pPr indent="228600" algn="ctr" defTabSz="584200">
+    <a:lvl2pPr algn="ctr" defTabSz="584200">
       <a:defRPr sz="3600">
-        <a:latin typeface="+mn-lt"/>
-        <a:ea typeface="+mn-ea"/>
-        <a:cs typeface="+mn-cs"/>
+        <a:latin typeface="Helvetica Light"/>
+        <a:ea typeface="Helvetica Light"/>
+        <a:cs typeface="Helvetica Light"/>
         <a:sym typeface="Helvetica Light"/>
       </a:defRPr>
     </a:lvl2pPr>
-    <a:lvl3pPr indent="457200" algn="ctr" defTabSz="584200">
+    <a:lvl3pPr algn="ctr" defTabSz="584200">
       <a:defRPr sz="3600">
-        <a:latin typeface="+mn-lt"/>
-        <a:ea typeface="+mn-ea"/>
-        <a:cs typeface="+mn-cs"/>
+        <a:latin typeface="Helvetica Light"/>
+        <a:ea typeface="Helvetica Light"/>
+        <a:cs typeface="Helvetica Light"/>
         <a:sym typeface="Helvetica Light"/>
       </a:defRPr>
     </a:lvl3pPr>
-    <a:lvl4pPr indent="685800" algn="ctr" defTabSz="584200">
+    <a:lvl4pPr algn="ctr" defTabSz="584200">
       <a:defRPr sz="3600">
-        <a:latin typeface="+mn-lt"/>
-        <a:ea typeface="+mn-ea"/>
-        <a:cs typeface="+mn-cs"/>
+        <a:latin typeface="Helvetica Light"/>
+        <a:ea typeface="Helvetica Light"/>
+        <a:cs typeface="Helvetica Light"/>
         <a:sym typeface="Helvetica Light"/>
       </a:defRPr>
     </a:lvl4pPr>
-    <a:lvl5pPr indent="914400" algn="ctr" defTabSz="584200">
+    <a:lvl5pPr algn="ctr" defTabSz="584200">
       <a:defRPr sz="3600">
-        <a:latin typeface="+mn-lt"/>
-        <a:ea typeface="+mn-ea"/>
-        <a:cs typeface="+mn-cs"/>
+        <a:latin typeface="Helvetica Light"/>
+        <a:ea typeface="Helvetica Light"/>
+        <a:cs typeface="Helvetica Light"/>
         <a:sym typeface="Helvetica Light"/>
       </a:defRPr>
     </a:lvl5pPr>
-    <a:lvl6pPr indent="1143000" algn="ctr" defTabSz="584200">
+    <a:lvl6pPr algn="ctr" defTabSz="584200">
       <a:defRPr sz="3600">
-        <a:latin typeface="+mn-lt"/>
-        <a:ea typeface="+mn-ea"/>
-        <a:cs typeface="+mn-cs"/>
+        <a:latin typeface="Helvetica Light"/>
+        <a:ea typeface="Helvetica Light"/>
+        <a:cs typeface="Helvetica Light"/>
         <a:sym typeface="Helvetica Light"/>
       </a:defRPr>
     </a:lvl6pPr>
-    <a:lvl7pPr indent="1371600" algn="ctr" defTabSz="584200">
+    <a:lvl7pPr algn="ctr" defTabSz="584200">
       <a:defRPr sz="3600">
-        <a:latin typeface="+mn-lt"/>
-        <a:ea typeface="+mn-ea"/>
-        <a:cs typeface="+mn-cs"/>
+        <a:latin typeface="Helvetica Light"/>
+        <a:ea typeface="Helvetica Light"/>
+        <a:cs typeface="Helvetica Light"/>
         <a:sym typeface="Helvetica Light"/>
       </a:defRPr>
     </a:lvl7pPr>
-    <a:lvl8pPr indent="1600200" algn="ctr" defTabSz="584200">
+    <a:lvl8pPr algn="ctr" defTabSz="584200">
       <a:defRPr sz="3600">
-        <a:latin typeface="+mn-lt"/>
-        <a:ea typeface="+mn-ea"/>
-        <a:cs typeface="+mn-cs"/>
+        <a:latin typeface="Helvetica Light"/>
+        <a:ea typeface="Helvetica Light"/>
+        <a:cs typeface="Helvetica Light"/>
         <a:sym typeface="Helvetica Light"/>
       </a:defRPr>
     </a:lvl8pPr>
-    <a:lvl9pPr indent="1828800" algn="ctr" defTabSz="584200">
+    <a:lvl9pPr algn="ctr" defTabSz="584200">
       <a:defRPr sz="3600">
-        <a:latin typeface="+mn-lt"/>
-        <a:ea typeface="+mn-ea"/>
-        <a:cs typeface="+mn-cs"/>
+        <a:latin typeface="Helvetica Light"/>
+        <a:ea typeface="Helvetica Light"/>
+        <a:cs typeface="Helvetica Light"/>
         <a:sym typeface="Helvetica Light"/>
       </a:defRPr>
     </a:lvl9pPr>
@@ -180,9 +190,9 @@
         <a:spcPct val="117999"/>
       </a:lnSpc>
       <a:defRPr sz="2200">
-        <a:latin typeface="Helvetica Neue"/>
-        <a:ea typeface="Helvetica Neue"/>
-        <a:cs typeface="Helvetica Neue"/>
+        <a:latin typeface="+mn-lt"/>
+        <a:ea typeface="+mn-ea"/>
+        <a:cs typeface="+mn-cs"/>
         <a:sym typeface="Helvetica Neue"/>
       </a:defRPr>
     </a:lvl1pPr>
@@ -191,9 +201,9 @@
         <a:spcPct val="117999"/>
       </a:lnSpc>
       <a:defRPr sz="2200">
-        <a:latin typeface="Helvetica Neue"/>
-        <a:ea typeface="Helvetica Neue"/>
-        <a:cs typeface="Helvetica Neue"/>
+        <a:latin typeface="+mn-lt"/>
+        <a:ea typeface="+mn-ea"/>
+        <a:cs typeface="+mn-cs"/>
         <a:sym typeface="Helvetica Neue"/>
       </a:defRPr>
     </a:lvl2pPr>
@@ -202,9 +212,9 @@
         <a:spcPct val="117999"/>
       </a:lnSpc>
       <a:defRPr sz="2200">
-        <a:latin typeface="Helvetica Neue"/>
-        <a:ea typeface="Helvetica Neue"/>
-        <a:cs typeface="Helvetica Neue"/>
+        <a:latin typeface="+mn-lt"/>
+        <a:ea typeface="+mn-ea"/>
+        <a:cs typeface="+mn-cs"/>
         <a:sym typeface="Helvetica Neue"/>
       </a:defRPr>
     </a:lvl3pPr>
@@ -213,9 +223,9 @@
         <a:spcPct val="117999"/>
       </a:lnSpc>
       <a:defRPr sz="2200">
-        <a:latin typeface="Helvetica Neue"/>
-        <a:ea typeface="Helvetica Neue"/>
-        <a:cs typeface="Helvetica Neue"/>
+        <a:latin typeface="+mn-lt"/>
+        <a:ea typeface="+mn-ea"/>
+        <a:cs typeface="+mn-cs"/>
         <a:sym typeface="Helvetica Neue"/>
       </a:defRPr>
     </a:lvl4pPr>
@@ -224,9 +234,9 @@
         <a:spcPct val="117999"/>
       </a:lnSpc>
       <a:defRPr sz="2200">
-        <a:latin typeface="Helvetica Neue"/>
-        <a:ea typeface="Helvetica Neue"/>
-        <a:cs typeface="Helvetica Neue"/>
+        <a:latin typeface="+mn-lt"/>
+        <a:ea typeface="+mn-ea"/>
+        <a:cs typeface="+mn-cs"/>
         <a:sym typeface="Helvetica Neue"/>
       </a:defRPr>
     </a:lvl5pPr>
@@ -235,9 +245,9 @@
         <a:spcPct val="117999"/>
       </a:lnSpc>
       <a:defRPr sz="2200">
-        <a:latin typeface="Helvetica Neue"/>
-        <a:ea typeface="Helvetica Neue"/>
-        <a:cs typeface="Helvetica Neue"/>
+        <a:latin typeface="+mn-lt"/>
+        <a:ea typeface="+mn-ea"/>
+        <a:cs typeface="+mn-cs"/>
         <a:sym typeface="Helvetica Neue"/>
       </a:defRPr>
     </a:lvl6pPr>
@@ -246,9 +256,9 @@
         <a:spcPct val="117999"/>
       </a:lnSpc>
       <a:defRPr sz="2200">
-        <a:latin typeface="Helvetica Neue"/>
-        <a:ea typeface="Helvetica Neue"/>
-        <a:cs typeface="Helvetica Neue"/>
+        <a:latin typeface="+mn-lt"/>
+        <a:ea typeface="+mn-ea"/>
+        <a:cs typeface="+mn-cs"/>
         <a:sym typeface="Helvetica Neue"/>
       </a:defRPr>
     </a:lvl7pPr>
@@ -257,9 +267,9 @@
         <a:spcPct val="117999"/>
       </a:lnSpc>
       <a:defRPr sz="2200">
-        <a:latin typeface="Helvetica Neue"/>
-        <a:ea typeface="Helvetica Neue"/>
-        <a:cs typeface="Helvetica Neue"/>
+        <a:latin typeface="+mn-lt"/>
+        <a:ea typeface="+mn-ea"/>
+        <a:cs typeface="+mn-cs"/>
         <a:sym typeface="Helvetica Neue"/>
       </a:defRPr>
     </a:lvl8pPr>
@@ -268,9 +278,9 @@
         <a:spcPct val="117999"/>
       </a:lnSpc>
       <a:defRPr sz="2200">
-        <a:latin typeface="Helvetica Neue"/>
-        <a:ea typeface="Helvetica Neue"/>
-        <a:cs typeface="Helvetica Neue"/>
+        <a:latin typeface="+mn-lt"/>
+        <a:ea typeface="+mn-ea"/>
+        <a:cs typeface="+mn-cs"/>
         <a:sym typeface="Helvetica Neue"/>
       </a:defRPr>
     </a:lvl9pPr>
@@ -305,8 +315,8 @@
         </p:nvSpPr>
         <p:spPr>
           <a:xfrm>
-            <a:off x="1270000" y="1638300"/>
-            <a:ext cx="10464800" cy="3302000"/>
+            <a:off x="1270000" y="0"/>
+            <a:ext cx="10464800" cy="4940300"/>
           </a:xfrm>
           <a:prstGeom prst="rect">
             <a:avLst/>
@@ -337,7 +347,7 @@
         <p:spPr>
           <a:xfrm>
             <a:off x="1270000" y="5029200"/>
-            <a:ext cx="10464800" cy="1130300"/>
+            <a:ext cx="10464800" cy="3568700"/>
           </a:xfrm>
           <a:prstGeom prst="rect">
             <a:avLst/>
@@ -354,7 +364,7 @@
               <a:buNone/>
               <a:defRPr sz="3200"/>
             </a:lvl1pPr>
-            <a:lvl2pPr marL="0" indent="228600" algn="ctr">
+            <a:lvl2pPr marL="0" indent="0" algn="ctr">
               <a:spcBef>
                 <a:spcPts val="0"/>
               </a:spcBef>
@@ -362,7 +372,7 @@
               <a:buNone/>
               <a:defRPr sz="3200"/>
             </a:lvl2pPr>
-            <a:lvl3pPr marL="0" indent="457200" algn="ctr">
+            <a:lvl3pPr marL="0" indent="0" algn="ctr">
               <a:spcBef>
                 <a:spcPts val="0"/>
               </a:spcBef>
@@ -370,7 +380,7 @@
               <a:buNone/>
               <a:defRPr sz="3200"/>
             </a:lvl3pPr>
-            <a:lvl4pPr marL="0" indent="685800" algn="ctr">
+            <a:lvl4pPr marL="0" indent="0" algn="ctr">
               <a:spcBef>
                 <a:spcPts val="0"/>
               </a:spcBef>
@@ -378,7 +388,7 @@
               <a:buNone/>
               <a:defRPr sz="3200"/>
             </a:lvl4pPr>
-            <a:lvl5pPr marL="0" indent="914400" algn="ctr">
+            <a:lvl5pPr marL="0" indent="0" algn="ctr">
               <a:spcBef>
                 <a:spcPts val="0"/>
               </a:spcBef>
@@ -552,8 +562,8 @@
         </p:nvSpPr>
         <p:spPr>
           <a:xfrm>
-            <a:off x="1270000" y="6718300"/>
-            <a:ext cx="10464800" cy="1422400"/>
+            <a:off x="1270000" y="4279900"/>
+            <a:ext cx="10464800" cy="3860800"/>
           </a:xfrm>
           <a:prstGeom prst="rect">
             <a:avLst/>
@@ -584,7 +594,7 @@
         <p:spPr>
           <a:xfrm>
             <a:off x="1270000" y="8191500"/>
-            <a:ext cx="10464800" cy="1130300"/>
+            <a:ext cx="10464800" cy="1562100"/>
           </a:xfrm>
           <a:prstGeom prst="rect">
             <a:avLst/>
@@ -601,7 +611,7 @@
               <a:buNone/>
               <a:defRPr sz="3200"/>
             </a:lvl1pPr>
-            <a:lvl2pPr marL="0" indent="228600" algn="ctr">
+            <a:lvl2pPr marL="0" indent="0" algn="ctr">
               <a:spcBef>
                 <a:spcPts val="0"/>
               </a:spcBef>
@@ -609,7 +619,7 @@
               <a:buNone/>
               <a:defRPr sz="3200"/>
             </a:lvl2pPr>
-            <a:lvl3pPr marL="0" indent="457200" algn="ctr">
+            <a:lvl3pPr marL="0" indent="0" algn="ctr">
               <a:spcBef>
                 <a:spcPts val="0"/>
               </a:spcBef>
@@ -617,7 +627,7 @@
               <a:buNone/>
               <a:defRPr sz="3200"/>
             </a:lvl3pPr>
-            <a:lvl4pPr marL="0" indent="685800" algn="ctr">
+            <a:lvl4pPr marL="0" indent="0" algn="ctr">
               <a:spcBef>
                 <a:spcPts val="0"/>
               </a:spcBef>
@@ -625,7 +635,7 @@
               <a:buNone/>
               <a:defRPr sz="3200"/>
             </a:lvl4pPr>
-            <a:lvl5pPr marL="0" indent="914400" algn="ctr">
+            <a:lvl5pPr marL="0" indent="0" algn="ctr">
               <a:spcBef>
                 <a:spcPts val="0"/>
               </a:spcBef>
@@ -778,8 +788,8 @@
         </p:nvSpPr>
         <p:spPr>
           <a:xfrm>
-            <a:off x="952500" y="635000"/>
-            <a:ext cx="5334000" cy="3987800"/>
+            <a:off x="952500" y="0"/>
+            <a:ext cx="5334000" cy="4622800"/>
           </a:xfrm>
           <a:prstGeom prst="rect">
             <a:avLst/>
@@ -814,7 +824,7 @@
         <p:spPr>
           <a:xfrm>
             <a:off x="952500" y="4762500"/>
-            <a:ext cx="5334000" cy="4102100"/>
+            <a:ext cx="5334000" cy="4991100"/>
           </a:xfrm>
           <a:prstGeom prst="rect">
             <a:avLst/>
@@ -831,7 +841,7 @@
               <a:buNone/>
               <a:defRPr sz="3200"/>
             </a:lvl1pPr>
-            <a:lvl2pPr marL="0" indent="228600" algn="ctr">
+            <a:lvl2pPr marL="0" indent="0" algn="ctr">
               <a:spcBef>
                 <a:spcPts val="0"/>
               </a:spcBef>
@@ -839,7 +849,7 @@
               <a:buNone/>
               <a:defRPr sz="3200"/>
             </a:lvl2pPr>
-            <a:lvl3pPr marL="0" indent="457200" algn="ctr">
+            <a:lvl3pPr marL="0" indent="0" algn="ctr">
               <a:spcBef>
                 <a:spcPts val="0"/>
               </a:spcBef>
@@ -847,7 +857,7 @@
               <a:buNone/>
               <a:defRPr sz="3200"/>
             </a:lvl3pPr>
-            <a:lvl4pPr marL="0" indent="685800" algn="ctr">
+            <a:lvl4pPr marL="0" indent="0" algn="ctr">
               <a:spcBef>
                 <a:spcPts val="0"/>
               </a:spcBef>
@@ -855,7 +865,7 @@
               <a:buNone/>
               <a:defRPr sz="3200"/>
             </a:lvl4pPr>
-            <a:lvl5pPr marL="0" indent="914400" algn="ctr">
+            <a:lvl5pPr marL="0" indent="0" algn="ctr">
               <a:spcBef>
                 <a:spcPts val="0"/>
               </a:spcBef>
@@ -950,6 +960,10 @@
           </p:nvPr>
         </p:nvSpPr>
         <p:spPr>
+          <a:xfrm>
+            <a:off x="952500" y="93506"/>
+            <a:ext cx="11099800" cy="2860988"/>
+          </a:xfrm>
           <a:prstGeom prst="rect">
             <a:avLst/>
           </a:prstGeom>
@@ -1543,73 +1557,73 @@
     <p:titleStyle>
       <a:lvl1pPr algn="ctr" defTabSz="584200">
         <a:defRPr sz="8000">
-          <a:latin typeface="+mn-lt"/>
-          <a:ea typeface="+mn-ea"/>
-          <a:cs typeface="+mn-cs"/>
+          <a:latin typeface="Helvetica Light"/>
+          <a:ea typeface="Helvetica Light"/>
+          <a:cs typeface="Helvetica Light"/>
           <a:sym typeface="Helvetica Light"/>
         </a:defRPr>
       </a:lvl1pPr>
-      <a:lvl2pPr indent="228600" algn="ctr" defTabSz="584200">
+      <a:lvl2pPr algn="ctr" defTabSz="584200">
         <a:defRPr sz="8000">
-          <a:latin typeface="+mn-lt"/>
-          <a:ea typeface="+mn-ea"/>
-          <a:cs typeface="+mn-cs"/>
+          <a:latin typeface="Helvetica Light"/>
+          <a:ea typeface="Helvetica Light"/>
+          <a:cs typeface="Helvetica Light"/>
           <a:sym typeface="Helvetica Light"/>
         </a:defRPr>
       </a:lvl2pPr>
-      <a:lvl3pPr indent="457200" algn="ctr" defTabSz="584200">
+      <a:lvl3pPr algn="ctr" defTabSz="584200">
         <a:defRPr sz="8000">
-          <a:latin typeface="+mn-lt"/>
-          <a:ea typeface="+mn-ea"/>
-          <a:cs typeface="+mn-cs"/>
+          <a:latin typeface="Helvetica Light"/>
+          <a:ea typeface="Helvetica Light"/>
+          <a:cs typeface="Helvetica Light"/>
           <a:sym typeface="Helvetica Light"/>
         </a:defRPr>
       </a:lvl3pPr>
-      <a:lvl4pPr indent="685800" algn="ctr" defTabSz="584200">
+      <a:lvl4pPr algn="ctr" defTabSz="584200">
         <a:defRPr sz="8000">
-          <a:latin typeface="+mn-lt"/>
-          <a:ea typeface="+mn-ea"/>
-          <a:cs typeface="+mn-cs"/>
+          <a:latin typeface="Helvetica Light"/>
+          <a:ea typeface="Helvetica Light"/>
+          <a:cs typeface="Helvetica Light"/>
           <a:sym typeface="Helvetica Light"/>
         </a:defRPr>
       </a:lvl4pPr>
-      <a:lvl5pPr indent="914400" algn="ctr" defTabSz="584200">
+      <a:lvl5pPr algn="ctr" defTabSz="584200">
         <a:defRPr sz="8000">
-          <a:latin typeface="+mn-lt"/>
-          <a:ea typeface="+mn-ea"/>
-          <a:cs typeface="+mn-cs"/>
+          <a:latin typeface="Helvetica Light"/>
+          <a:ea typeface="Helvetica Light"/>
+          <a:cs typeface="Helvetica Light"/>
           <a:sym typeface="Helvetica Light"/>
         </a:defRPr>
       </a:lvl5pPr>
-      <a:lvl6pPr indent="1143000" algn="ctr" defTabSz="584200">
+      <a:lvl6pPr algn="ctr" defTabSz="584200">
         <a:defRPr sz="8000">
-          <a:latin typeface="+mn-lt"/>
-          <a:ea typeface="+mn-ea"/>
-          <a:cs typeface="+mn-cs"/>
+          <a:latin typeface="Helvetica Light"/>
+          <a:ea typeface="Helvetica Light"/>
+          <a:cs typeface="Helvetica Light"/>
           <a:sym typeface="Helvetica Light"/>
         </a:defRPr>
       </a:lvl6pPr>
-      <a:lvl7pPr indent="1371600" algn="ctr" defTabSz="584200">
+      <a:lvl7pPr algn="ctr" defTabSz="584200">
         <a:defRPr sz="8000">
-          <a:latin typeface="+mn-lt"/>
-          <a:ea typeface="+mn-ea"/>
-          <a:cs typeface="+mn-cs"/>
+          <a:latin typeface="Helvetica Light"/>
+          <a:ea typeface="Helvetica Light"/>
+          <a:cs typeface="Helvetica Light"/>
           <a:sym typeface="Helvetica Light"/>
         </a:defRPr>
       </a:lvl7pPr>
-      <a:lvl8pPr indent="1600200" algn="ctr" defTabSz="584200">
+      <a:lvl8pPr algn="ctr" defTabSz="584200">
         <a:defRPr sz="8000">
-          <a:latin typeface="+mn-lt"/>
-          <a:ea typeface="+mn-ea"/>
-          <a:cs typeface="+mn-cs"/>
+          <a:latin typeface="Helvetica Light"/>
+          <a:ea typeface="Helvetica Light"/>
+          <a:cs typeface="Helvetica Light"/>
           <a:sym typeface="Helvetica Light"/>
         </a:defRPr>
       </a:lvl8pPr>
-      <a:lvl9pPr indent="1828800" algn="ctr" defTabSz="584200">
+      <a:lvl9pPr algn="ctr" defTabSz="584200">
         <a:defRPr sz="8000">
-          <a:latin typeface="+mn-lt"/>
-          <a:ea typeface="+mn-ea"/>
-          <a:cs typeface="+mn-cs"/>
+          <a:latin typeface="Helvetica Light"/>
+          <a:ea typeface="Helvetica Light"/>
+          <a:cs typeface="Helvetica Light"/>
           <a:sym typeface="Helvetica Light"/>
         </a:defRPr>
       </a:lvl9pPr>
@@ -1622,9 +1636,9 @@
         <a:buSzPct val="75000"/>
         <a:buChar char="•"/>
         <a:defRPr sz="3600">
-          <a:latin typeface="+mn-lt"/>
-          <a:ea typeface="+mn-ea"/>
-          <a:cs typeface="+mn-cs"/>
+          <a:latin typeface="Helvetica Light"/>
+          <a:ea typeface="Helvetica Light"/>
+          <a:cs typeface="Helvetica Light"/>
           <a:sym typeface="Helvetica Light"/>
         </a:defRPr>
       </a:lvl1pPr>
@@ -1635,9 +1649,9 @@
         <a:buSzPct val="75000"/>
         <a:buChar char="•"/>
         <a:defRPr sz="3600">
-          <a:latin typeface="+mn-lt"/>
-          <a:ea typeface="+mn-ea"/>
-          <a:cs typeface="+mn-cs"/>
+          <a:latin typeface="Helvetica Light"/>
+          <a:ea typeface="Helvetica Light"/>
+          <a:cs typeface="Helvetica Light"/>
           <a:sym typeface="Helvetica Light"/>
         </a:defRPr>
       </a:lvl2pPr>
@@ -1648,9 +1662,9 @@
         <a:buSzPct val="75000"/>
         <a:buChar char="•"/>
         <a:defRPr sz="3600">
-          <a:latin typeface="+mn-lt"/>
-          <a:ea typeface="+mn-ea"/>
-          <a:cs typeface="+mn-cs"/>
+          <a:latin typeface="Helvetica Light"/>
+          <a:ea typeface="Helvetica Light"/>
+          <a:cs typeface="Helvetica Light"/>
           <a:sym typeface="Helvetica Light"/>
         </a:defRPr>
       </a:lvl3pPr>
@@ -1661,9 +1675,9 @@
         <a:buSzPct val="75000"/>
         <a:buChar char="•"/>
         <a:defRPr sz="3600">
-          <a:latin typeface="+mn-lt"/>
-          <a:ea typeface="+mn-ea"/>
-          <a:cs typeface="+mn-cs"/>
+          <a:latin typeface="Helvetica Light"/>
+          <a:ea typeface="Helvetica Light"/>
+          <a:cs typeface="Helvetica Light"/>
           <a:sym typeface="Helvetica Light"/>
         </a:defRPr>
       </a:lvl4pPr>
@@ -1674,9 +1688,9 @@
         <a:buSzPct val="75000"/>
         <a:buChar char="•"/>
         <a:defRPr sz="3600">
-          <a:latin typeface="+mn-lt"/>
-          <a:ea typeface="+mn-ea"/>
-          <a:cs typeface="+mn-cs"/>
+          <a:latin typeface="Helvetica Light"/>
+          <a:ea typeface="Helvetica Light"/>
+          <a:cs typeface="Helvetica Light"/>
           <a:sym typeface="Helvetica Light"/>
         </a:defRPr>
       </a:lvl5pPr>
@@ -1687,9 +1701,9 @@
         <a:buSzPct val="75000"/>
         <a:buChar char="•"/>
         <a:defRPr sz="3600">
-          <a:latin typeface="+mn-lt"/>
-          <a:ea typeface="+mn-ea"/>
-          <a:cs typeface="+mn-cs"/>
+          <a:latin typeface="Helvetica Light"/>
+          <a:ea typeface="Helvetica Light"/>
+          <a:cs typeface="Helvetica Light"/>
           <a:sym typeface="Helvetica Light"/>
         </a:defRPr>
       </a:lvl6pPr>
@@ -1700,9 +1714,9 @@
         <a:buSzPct val="75000"/>
         <a:buChar char="•"/>
         <a:defRPr sz="3600">
-          <a:latin typeface="+mn-lt"/>
-          <a:ea typeface="+mn-ea"/>
-          <a:cs typeface="+mn-cs"/>
+          <a:latin typeface="Helvetica Light"/>
+          <a:ea typeface="Helvetica Light"/>
+          <a:cs typeface="Helvetica Light"/>
           <a:sym typeface="Helvetica Light"/>
         </a:defRPr>
       </a:lvl7pPr>
@@ -1713,9 +1727,9 @@
         <a:buSzPct val="75000"/>
         <a:buChar char="•"/>
         <a:defRPr sz="3600">
-          <a:latin typeface="+mn-lt"/>
-          <a:ea typeface="+mn-ea"/>
-          <a:cs typeface="+mn-cs"/>
+          <a:latin typeface="Helvetica Light"/>
+          <a:ea typeface="Helvetica Light"/>
+          <a:cs typeface="Helvetica Light"/>
           <a:sym typeface="Helvetica Light"/>
         </a:defRPr>
       </a:lvl8pPr>
@@ -1726,16 +1740,16 @@
         <a:buSzPct val="75000"/>
         <a:buChar char="•"/>
         <a:defRPr sz="3600">
-          <a:latin typeface="+mn-lt"/>
-          <a:ea typeface="+mn-ea"/>
-          <a:cs typeface="+mn-cs"/>
+          <a:latin typeface="Helvetica Light"/>
+          <a:ea typeface="Helvetica Light"/>
+          <a:cs typeface="Helvetica Light"/>
           <a:sym typeface="Helvetica Light"/>
         </a:defRPr>
       </a:lvl9pPr>
     </p:bodyStyle>
     <p:otherStyle>
-      <a:lvl1pPr algn="ctr" defTabSz="584200">
-        <a:defRPr>
+      <a:lvl1pPr algn="r" defTabSz="584200">
+        <a:defRPr sz="1200">
           <a:solidFill>
             <a:schemeClr val="tx1"/>
           </a:solidFill>
@@ -1745,8 +1759,8 @@
           <a:sym typeface="Helvetica Light"/>
         </a:defRPr>
       </a:lvl1pPr>
-      <a:lvl2pPr indent="228600" algn="ctr" defTabSz="584200">
-        <a:defRPr>
+      <a:lvl2pPr algn="r" defTabSz="584200">
+        <a:defRPr sz="1200">
           <a:solidFill>
             <a:schemeClr val="tx1"/>
           </a:solidFill>
@@ -1756,8 +1770,8 @@
           <a:sym typeface="Helvetica Light"/>
         </a:defRPr>
       </a:lvl2pPr>
-      <a:lvl3pPr indent="457200" algn="ctr" defTabSz="584200">
-        <a:defRPr>
+      <a:lvl3pPr algn="r" defTabSz="584200">
+        <a:defRPr sz="1200">
           <a:solidFill>
             <a:schemeClr val="tx1"/>
           </a:solidFill>
@@ -1767,8 +1781,8 @@
           <a:sym typeface="Helvetica Light"/>
         </a:defRPr>
       </a:lvl3pPr>
-      <a:lvl4pPr indent="685800" algn="ctr" defTabSz="584200">
-        <a:defRPr>
+      <a:lvl4pPr algn="r" defTabSz="584200">
+        <a:defRPr sz="1200">
           <a:solidFill>
             <a:schemeClr val="tx1"/>
           </a:solidFill>
@@ -1778,8 +1792,8 @@
           <a:sym typeface="Helvetica Light"/>
         </a:defRPr>
       </a:lvl4pPr>
-      <a:lvl5pPr indent="914400" algn="ctr" defTabSz="584200">
-        <a:defRPr>
+      <a:lvl5pPr algn="r" defTabSz="584200">
+        <a:defRPr sz="1200">
           <a:solidFill>
             <a:schemeClr val="tx1"/>
           </a:solidFill>
@@ -1789,8 +1803,8 @@
           <a:sym typeface="Helvetica Light"/>
         </a:defRPr>
       </a:lvl5pPr>
-      <a:lvl6pPr indent="1143000" algn="ctr" defTabSz="584200">
-        <a:defRPr>
+      <a:lvl6pPr algn="r" defTabSz="584200">
+        <a:defRPr sz="1200">
           <a:solidFill>
             <a:schemeClr val="tx1"/>
           </a:solidFill>
@@ -1800,8 +1814,8 @@
           <a:sym typeface="Helvetica Light"/>
         </a:defRPr>
       </a:lvl6pPr>
-      <a:lvl7pPr indent="1371600" algn="ctr" defTabSz="584200">
-        <a:defRPr>
+      <a:lvl7pPr algn="r" defTabSz="584200">
+        <a:defRPr sz="1200">
           <a:solidFill>
             <a:schemeClr val="tx1"/>
           </a:solidFill>
@@ -1811,8 +1825,8 @@
           <a:sym typeface="Helvetica Light"/>
         </a:defRPr>
       </a:lvl7pPr>
-      <a:lvl8pPr indent="1600200" algn="ctr" defTabSz="584200">
-        <a:defRPr>
+      <a:lvl8pPr algn="r" defTabSz="584200">
+        <a:defRPr sz="1200">
           <a:solidFill>
             <a:schemeClr val="tx1"/>
           </a:solidFill>
@@ -1822,8 +1836,8 @@
           <a:sym typeface="Helvetica Light"/>
         </a:defRPr>
       </a:lvl8pPr>
-      <a:lvl9pPr indent="1828800" algn="ctr" defTabSz="584200">
-        <a:defRPr>
+      <a:lvl9pPr algn="r" defTabSz="584200">
+        <a:defRPr sz="1200">
           <a:solidFill>
             <a:schemeClr val="tx1"/>
           </a:solidFill>
@@ -1864,6 +1878,10 @@
           </p:nvPr>
         </p:nvSpPr>
         <p:spPr>
+          <a:xfrm>
+            <a:off x="1270000" y="1638300"/>
+            <a:ext cx="10464800" cy="3302000"/>
+          </a:xfrm>
           <a:prstGeom prst="rect">
             <a:avLst/>
           </a:prstGeom>
@@ -1891,6 +1909,10 @@
           </p:nvPr>
         </p:nvSpPr>
         <p:spPr>
+          <a:xfrm>
+            <a:off x="1270000" y="5029200"/>
+            <a:ext cx="10464800" cy="1130300"/>
+          </a:xfrm>
           <a:prstGeom prst="rect">
             <a:avLst/>
           </a:prstGeom>
@@ -1944,14 +1966,18 @@
         </p:spPr>
         <p:txBody>
           <a:bodyPr/>
-          <a:lstStyle/>
+          <a:lstStyle>
+            <a:lvl1pPr defTabSz="519937">
+              <a:defRPr sz="7119"/>
+            </a:lvl1pPr>
+          </a:lstStyle>
           <a:p>
             <a:pPr lvl="0">
               <a:defRPr sz="1800"/>
             </a:pPr>
             <a:r>
-              <a:rPr sz="8000"/>
-              <a:t>Models</a:t>
+              <a:rPr sz="7119"/>
+              <a:t>Features #1: summary features</a:t>
             </a:r>
           </a:p>
         </p:txBody>
@@ -1973,45 +1999,245 @@
           <a:bodyPr/>
           <a:lstStyle/>
           <a:p>
-            <a:pPr lvl="0">
-              <a:defRPr sz="1800"/>
-            </a:pPr>
-            <a:r>
-              <a:rPr sz="3600"/>
-              <a:t>Logistic Regression</a:t>
-            </a:r>
-            <a:endParaRPr sz="3600"/>
-          </a:p>
-          <a:p>
-            <a:pPr lvl="0">
-              <a:defRPr sz="1800"/>
-            </a:pPr>
-            <a:r>
-              <a:rPr sz="3600"/>
-              <a:t>Gradient Boosting Tree (xboost)</a:t>
-            </a:r>
-            <a:endParaRPr sz="3600"/>
-          </a:p>
-          <a:p>
-            <a:pPr lvl="0">
-              <a:defRPr sz="1800"/>
-            </a:pPr>
-            <a:r>
-              <a:rPr sz="3600"/>
-              <a:t>Deep learning (</a:t>
-            </a:r>
-            <a:r>
-              <a:rPr b="1" i="1" sz="3600">
-                <a:latin typeface="Helvetica"/>
-                <a:ea typeface="Helvetica"/>
-                <a:cs typeface="Helvetica"/>
+            <a:pPr lvl="0" marL="444500" indent="-444500">
+              <a:defRPr sz="1800"/>
+            </a:pPr>
+            <a:r>
+              <a:rPr b="1" sz="3000">
+                <a:latin typeface="+mj-lt"/>
+                <a:ea typeface="+mj-ea"/>
+                <a:cs typeface="+mj-cs"/>
                 <a:sym typeface="Helvetica"/>
               </a:rPr>
-              <a:t>TODO</a:t>
-            </a:r>
-            <a:r>
-              <a:rPr sz="3600"/>
-              <a:t>)</a:t>
+              <a:t>Duration</a:t>
+            </a:r>
+            <a:r>
+              <a:rPr sz="3000"/>
+              <a:t> (days) of enrolment: from the start of the first event to the last one</a:t>
+            </a:r>
+            <a:endParaRPr sz="3000"/>
+          </a:p>
+          <a:p>
+            <a:pPr lvl="0" marL="444500" indent="-444500">
+              <a:spcBef>
+                <a:spcPts val="1500"/>
+              </a:spcBef>
+              <a:defRPr sz="1800"/>
+            </a:pPr>
+            <a:r>
+              <a:rPr b="1" sz="3000">
+                <a:latin typeface="+mj-lt"/>
+                <a:ea typeface="+mj-ea"/>
+                <a:cs typeface="+mj-cs"/>
+                <a:sym typeface="Helvetica"/>
+              </a:rPr>
+              <a:t>Number of (</a:t>
+            </a:r>
+            <a:r>
+              <a:rPr b="1" i="1" sz="3000">
+                <a:latin typeface="+mj-lt"/>
+                <a:ea typeface="+mj-ea"/>
+                <a:cs typeface="+mj-cs"/>
+                <a:sym typeface="Helvetica"/>
+              </a:rPr>
+              <a:t>cumulated</a:t>
+            </a:r>
+            <a:r>
+              <a:rPr b="1" sz="3000">
+                <a:latin typeface="+mj-lt"/>
+                <a:ea typeface="+mj-ea"/>
+                <a:cs typeface="+mj-cs"/>
+                <a:sym typeface="Helvetica"/>
+              </a:rPr>
+              <a:t>) events</a:t>
+            </a:r>
+            <a:r>
+              <a:rPr sz="3000"/>
+              <a:t> of enrolment: the count of event observed in the log</a:t>
+            </a:r>
+            <a:endParaRPr sz="3000"/>
+          </a:p>
+          <a:p>
+            <a:pPr lvl="1">
+              <a:spcBef>
+                <a:spcPts val="500"/>
+              </a:spcBef>
+              <a:defRPr sz="1800"/>
+            </a:pPr>
+            <a:r>
+              <a:rPr b="1" sz="2500">
+                <a:latin typeface="+mj-lt"/>
+                <a:ea typeface="+mj-ea"/>
+                <a:cs typeface="+mj-cs"/>
+                <a:sym typeface="Helvetica"/>
+              </a:rPr>
+              <a:t>Number of videos: </a:t>
+            </a:r>
+            <a:r>
+              <a:rPr sz="2500"/>
+              <a:t>the count of observed video event in the log</a:t>
+            </a:r>
+            <a:endParaRPr b="1" sz="2500">
+              <a:latin typeface="+mj-lt"/>
+              <a:ea typeface="+mj-ea"/>
+              <a:cs typeface="+mj-cs"/>
+              <a:sym typeface="Helvetica"/>
+            </a:endParaRPr>
+          </a:p>
+          <a:p>
+            <a:pPr lvl="1">
+              <a:spcBef>
+                <a:spcPts val="500"/>
+              </a:spcBef>
+              <a:defRPr sz="1800"/>
+            </a:pPr>
+            <a:r>
+              <a:rPr b="1" sz="2500">
+                <a:latin typeface="+mj-lt"/>
+                <a:ea typeface="+mj-ea"/>
+                <a:cs typeface="+mj-cs"/>
+                <a:sym typeface="Helvetica"/>
+              </a:rPr>
+              <a:t>Number of problem: </a:t>
+            </a:r>
+            <a:r>
+              <a:rPr sz="2500"/>
+              <a:t>the count of observed problem event in the log</a:t>
+            </a:r>
+            <a:endParaRPr b="1" sz="2500">
+              <a:latin typeface="+mj-lt"/>
+              <a:ea typeface="+mj-ea"/>
+              <a:cs typeface="+mj-cs"/>
+              <a:sym typeface="Helvetica"/>
+            </a:endParaRPr>
+          </a:p>
+          <a:p>
+            <a:pPr lvl="1">
+              <a:spcBef>
+                <a:spcPts val="500"/>
+              </a:spcBef>
+              <a:defRPr sz="1800"/>
+            </a:pPr>
+            <a:r>
+              <a:rPr b="1" sz="2500">
+                <a:latin typeface="+mj-lt"/>
+                <a:ea typeface="+mj-ea"/>
+                <a:cs typeface="+mj-cs"/>
+                <a:sym typeface="Helvetica"/>
+              </a:rPr>
+              <a:t>Number of wiki: </a:t>
+            </a:r>
+            <a:r>
+              <a:rPr sz="2500"/>
+              <a:t>the count of observed wiki event in the log</a:t>
+            </a:r>
+            <a:endParaRPr b="1" sz="2500">
+              <a:latin typeface="+mj-lt"/>
+              <a:ea typeface="+mj-ea"/>
+              <a:cs typeface="+mj-cs"/>
+              <a:sym typeface="Helvetica"/>
+            </a:endParaRPr>
+          </a:p>
+          <a:p>
+            <a:pPr lvl="1">
+              <a:spcBef>
+                <a:spcPts val="500"/>
+              </a:spcBef>
+              <a:defRPr sz="1800"/>
+            </a:pPr>
+            <a:r>
+              <a:rPr b="1" sz="2500">
+                <a:latin typeface="+mj-lt"/>
+                <a:ea typeface="+mj-ea"/>
+                <a:cs typeface="+mj-cs"/>
+                <a:sym typeface="Helvetica"/>
+              </a:rPr>
+              <a:t>Number of navigate: </a:t>
+            </a:r>
+            <a:r>
+              <a:rPr sz="2500"/>
+              <a:t>the count of observed navigate event in the log </a:t>
+            </a:r>
+            <a:endParaRPr b="1" sz="2500">
+              <a:latin typeface="+mj-lt"/>
+              <a:ea typeface="+mj-ea"/>
+              <a:cs typeface="+mj-cs"/>
+              <a:sym typeface="Helvetica"/>
+            </a:endParaRPr>
+          </a:p>
+          <a:p>
+            <a:pPr lvl="1">
+              <a:spcBef>
+                <a:spcPts val="500"/>
+              </a:spcBef>
+              <a:defRPr sz="1800"/>
+            </a:pPr>
+            <a:r>
+              <a:rPr b="1" sz="2500">
+                <a:latin typeface="+mj-lt"/>
+                <a:ea typeface="+mj-ea"/>
+                <a:cs typeface="+mj-cs"/>
+                <a:sym typeface="Helvetica"/>
+              </a:rPr>
+              <a:t>Number of access: </a:t>
+            </a:r>
+            <a:r>
+              <a:rPr sz="2500"/>
+              <a:t>the count of observed access event in the log</a:t>
+            </a:r>
+            <a:endParaRPr b="1" sz="2500">
+              <a:latin typeface="+mj-lt"/>
+              <a:ea typeface="+mj-ea"/>
+              <a:cs typeface="+mj-cs"/>
+              <a:sym typeface="Helvetica"/>
+            </a:endParaRPr>
+          </a:p>
+          <a:p>
+            <a:pPr lvl="1">
+              <a:spcBef>
+                <a:spcPts val="500"/>
+              </a:spcBef>
+              <a:defRPr sz="1800"/>
+            </a:pPr>
+            <a:r>
+              <a:rPr b="1" sz="2500">
+                <a:latin typeface="+mj-lt"/>
+                <a:ea typeface="+mj-ea"/>
+                <a:cs typeface="+mj-cs"/>
+                <a:sym typeface="Helvetica"/>
+              </a:rPr>
+              <a:t>Number of discussion: </a:t>
+            </a:r>
+            <a:r>
+              <a:rPr sz="2500"/>
+              <a:t>the count of observed discussion event in the log</a:t>
+            </a:r>
+            <a:endParaRPr b="1" sz="2500">
+              <a:latin typeface="+mj-lt"/>
+              <a:ea typeface="+mj-ea"/>
+              <a:cs typeface="+mj-cs"/>
+              <a:sym typeface="Helvetica"/>
+            </a:endParaRPr>
+          </a:p>
+          <a:p>
+            <a:pPr lvl="1">
+              <a:spcBef>
+                <a:spcPts val="500"/>
+              </a:spcBef>
+              <a:defRPr sz="1800"/>
+            </a:pPr>
+            <a:r>
+              <a:rPr b="1" sz="2500">
+                <a:latin typeface="+mj-lt"/>
+                <a:ea typeface="+mj-ea"/>
+                <a:cs typeface="+mj-cs"/>
+                <a:sym typeface="Helvetica"/>
+              </a:rPr>
+              <a:t>Number of page_close: </a:t>
+            </a:r>
+            <a:r>
+              <a:rPr sz="2500"/>
+              <a:t>the count of the page_close event in the log</a:t>
             </a:r>
           </a:p>
         </p:txBody>
@@ -2051,86 +2277,116 @@
           </p:nvPr>
         </p:nvSpPr>
         <p:spPr>
-          <a:xfrm>
-            <a:off x="952500" y="38100"/>
-            <a:ext cx="11099800" cy="2159000"/>
-          </a:xfrm>
           <a:prstGeom prst="rect">
             <a:avLst/>
           </a:prstGeom>
         </p:spPr>
         <p:txBody>
           <a:bodyPr/>
-          <a:lstStyle>
-            <a:lvl1pPr defTabSz="514095">
-              <a:defRPr sz="7040"/>
-            </a:lvl1pPr>
-          </a:lstStyle>
+          <a:lstStyle/>
           <a:p>
             <a:pPr lvl="0">
               <a:defRPr sz="1800"/>
             </a:pPr>
             <a:r>
-              <a:rPr sz="7040"/>
-              <a:t>Course-independent Model</a:t>
+              <a:rPr sz="8000"/>
+              <a:t>Features #1</a:t>
             </a:r>
           </a:p>
         </p:txBody>
       </p:sp>
-      <p:pic>
-        <p:nvPicPr>
-          <p:cNvPr id="67" name="size_auc_scatter.png"/>
-          <p:cNvPicPr/>
-          <p:nvPr/>
-        </p:nvPicPr>
-        <p:blipFill>
-          <a:blip r:embed="rId2">
-            <a:extLst/>
-          </a:blip>
-          <a:stretch>
-            <a:fillRect/>
-          </a:stretch>
-        </p:blipFill>
+      <p:sp>
+        <p:nvSpPr>
+          <p:cNvPr id="67" name="Shape 67"/>
+          <p:cNvSpPr/>
+          <p:nvPr>
+            <p:ph type="body" idx="1"/>
+          </p:nvPr>
+        </p:nvSpPr>
         <p:spPr>
-          <a:xfrm>
-            <a:off x="2707169" y="1447015"/>
-            <a:ext cx="7590462" cy="4006078"/>
-          </a:xfrm>
           <a:prstGeom prst="rect">
             <a:avLst/>
           </a:prstGeom>
-          <a:ln w="12700">
-            <a:miter lim="400000"/>
-          </a:ln>
         </p:spPr>
-      </p:pic>
-      <p:pic>
-        <p:nvPicPr>
-          <p:cNvPr id="68" name="dropout_auc.png"/>
-          <p:cNvPicPr/>
-          <p:nvPr/>
-        </p:nvPicPr>
-        <p:blipFill>
-          <a:blip r:embed="rId3">
-            <a:extLst/>
-          </a:blip>
-          <a:stretch>
-            <a:fillRect/>
-          </a:stretch>
-        </p:blipFill>
-        <p:spPr>
-          <a:xfrm>
-            <a:off x="3247837" y="5311467"/>
-            <a:ext cx="7590462" cy="4006077"/>
-          </a:xfrm>
-          <a:prstGeom prst="rect">
-            <a:avLst/>
-          </a:prstGeom>
-          <a:ln w="12700">
-            <a:miter lim="400000"/>
-          </a:ln>
-        </p:spPr>
-      </p:pic>
+        <p:txBody>
+          <a:bodyPr/>
+          <a:lstStyle/>
+          <a:p>
+            <a:pPr lvl="0" marL="444500" indent="-444500">
+              <a:defRPr sz="1800"/>
+            </a:pPr>
+            <a:r>
+              <a:rPr b="1" sz="3000">
+                <a:latin typeface="+mj-lt"/>
+                <a:ea typeface="+mj-ea"/>
+                <a:cs typeface="+mj-cs"/>
+                <a:sym typeface="Helvetica"/>
+              </a:rPr>
+              <a:t>Active days</a:t>
+            </a:r>
+            <a:r>
+              <a:rPr sz="3000"/>
+              <a:t> of enrolment: the total number of days that the user access the course</a:t>
+            </a:r>
+            <a:endParaRPr sz="3000"/>
+          </a:p>
+          <a:p>
+            <a:pPr lvl="0" marL="444500" indent="-444500">
+              <a:defRPr sz="1800"/>
+            </a:pPr>
+            <a:r>
+              <a:rPr b="1" sz="3000">
+                <a:latin typeface="+mj-lt"/>
+                <a:ea typeface="+mj-ea"/>
+                <a:cs typeface="+mj-cs"/>
+                <a:sym typeface="Helvetica"/>
+              </a:rPr>
+              <a:t>Active days per week</a:t>
+            </a:r>
+            <a:r>
+              <a:rPr sz="3000"/>
+              <a:t>: the average active days every week</a:t>
+            </a:r>
+            <a:endParaRPr sz="3000"/>
+          </a:p>
+          <a:p>
+            <a:pPr lvl="0" marL="444500" indent="-444500">
+              <a:defRPr sz="1800"/>
+            </a:pPr>
+            <a:r>
+              <a:rPr sz="3000"/>
+              <a:t>For the last 3 months from </a:t>
+            </a:r>
+            <a:r>
+              <a:rPr sz="3000">
+                <a:solidFill>
+                  <a:srgbClr val="0365C0"/>
+                </a:solidFill>
+              </a:rPr>
+              <a:t>05-13-2014 - End (12 week)</a:t>
+            </a:r>
+            <a:endParaRPr sz="3000"/>
+          </a:p>
+          <a:p>
+            <a:pPr lvl="1">
+              <a:defRPr sz="1800"/>
+            </a:pPr>
+            <a:r>
+              <a:rPr b="1" sz="3000">
+                <a:latin typeface="+mj-lt"/>
+                <a:ea typeface="+mj-ea"/>
+                <a:cs typeface="+mj-cs"/>
+                <a:sym typeface="Helvetica"/>
+              </a:rPr>
+              <a:t>Active days in  week [1-12]</a:t>
+            </a:r>
+            <a:r>
+              <a:rPr sz="3000"/>
+              <a:t>: the active days in the #-th week</a:t>
+            </a:r>
+          </a:p>
+        </p:txBody>
+      </p:sp>
     </p:spTree>
   </p:cSld>
   <p:clrMapOvr>
@@ -2157,76 +2413,1265 @@
           <a:chExt cx="0" cy="0"/>
         </a:xfrm>
       </p:grpSpPr>
-      <p:pic>
-        <p:nvPicPr>
-          <p:cNvPr id="70" name="3d.png"/>
-          <p:cNvPicPr/>
-          <p:nvPr/>
-        </p:nvPicPr>
-        <p:blipFill>
-          <a:blip r:embed="rId2">
-            <a:extLst/>
-          </a:blip>
-          <a:stretch>
-            <a:fillRect/>
-          </a:stretch>
-        </p:blipFill>
+      <p:sp>
+        <p:nvSpPr>
+          <p:cNvPr id="69" name="Shape 69"/>
+          <p:cNvSpPr/>
+          <p:nvPr>
+            <p:ph type="title"/>
+          </p:nvPr>
+        </p:nvSpPr>
         <p:spPr>
-          <a:xfrm>
-            <a:off x="953771" y="1915532"/>
-            <a:ext cx="12374459" cy="6530965"/>
-          </a:xfrm>
           <a:prstGeom prst="rect">
             <a:avLst/>
           </a:prstGeom>
-          <a:ln w="12700">
-            <a:miter lim="400000"/>
-          </a:ln>
         </p:spPr>
-      </p:pic>
+        <p:txBody>
+          <a:bodyPr/>
+          <a:lstStyle/>
+          <a:p>
+            <a:pPr lvl="0">
+              <a:defRPr sz="1800"/>
+            </a:pPr>
+            <a:r>
+              <a:rPr sz="8000"/>
+              <a:t>Features #2: sessions</a:t>
+            </a:r>
+          </a:p>
+        </p:txBody>
+      </p:sp>
       <p:sp>
         <p:nvSpPr>
-          <p:cNvPr id="71" name="Shape 71"/>
+          <p:cNvPr id="70" name="Shape 70"/>
           <p:cNvSpPr/>
-          <p:nvPr/>
+          <p:nvPr>
+            <p:ph type="body" idx="1"/>
+          </p:nvPr>
         </p:nvSpPr>
         <p:spPr>
-          <a:xfrm>
-            <a:off x="888022" y="1141365"/>
-            <a:ext cx="5879136" cy="647701"/>
-          </a:xfrm>
           <a:prstGeom prst="rect">
             <a:avLst/>
           </a:prstGeom>
-          <a:ln w="12700">
-            <a:miter lim="400000"/>
-          </a:ln>
-          <a:extLst>
-            <a:ext uri="{C572A759-6A51-4108-AA02-DFA0A04FC94B}">
-              <ma14:wrappingTextBoxFlag xmlns:ma14="http://schemas.microsoft.com/office/mac/drawingml/2011/main" val="1"/>
-            </a:ext>
-          </a:extLst>
         </p:spPr>
         <p:txBody>
-          <a:bodyPr wrap="none" lIns="50800" tIns="50800" rIns="50800" bIns="50800" anchor="ctr">
-            <a:spAutoFit/>
-          </a:bodyPr>
+          <a:bodyPr/>
+          <a:lstStyle/>
+          <a:p>
+            <a:pPr lvl="0" marL="444500" indent="-444500">
+              <a:spcBef>
+                <a:spcPts val="1500"/>
+              </a:spcBef>
+              <a:defRPr sz="1800"/>
+            </a:pPr>
+            <a:r>
+              <a:rPr b="1" sz="3000">
+                <a:latin typeface="+mj-lt"/>
+                <a:ea typeface="+mj-ea"/>
+                <a:cs typeface="+mj-cs"/>
+                <a:sym typeface="Helvetica"/>
+              </a:rPr>
+              <a:t>Number sessions</a:t>
+            </a:r>
+            <a:r>
+              <a:rPr sz="3000"/>
+              <a:t>: the number of sessions included in the enrolment logs</a:t>
+            </a:r>
+            <a:endParaRPr sz="3000"/>
+          </a:p>
+          <a:p>
+            <a:pPr lvl="1">
+              <a:spcBef>
+                <a:spcPts val="1500"/>
+              </a:spcBef>
+              <a:defRPr sz="1800"/>
+            </a:pPr>
+            <a:r>
+              <a:rPr sz="3000"/>
+              <a:t>The time gap between sessions is 30 minutes</a:t>
+            </a:r>
+            <a:endParaRPr sz="3000"/>
+          </a:p>
+          <a:p>
+            <a:pPr lvl="0" marL="444500" indent="-444500">
+              <a:spcBef>
+                <a:spcPts val="1500"/>
+              </a:spcBef>
+              <a:defRPr sz="1800"/>
+            </a:pPr>
+            <a:r>
+              <a:rPr b="1" sz="3000">
+                <a:latin typeface="+mj-lt"/>
+                <a:ea typeface="+mj-ea"/>
+                <a:cs typeface="+mj-cs"/>
+                <a:sym typeface="Helvetica"/>
+              </a:rPr>
+              <a:t>Avg requests per session:</a:t>
+            </a:r>
+            <a:r>
+              <a:rPr sz="3000"/>
+              <a:t> #video, #problem, #access, #navigate, #discussion</a:t>
+            </a:r>
+            <a:endParaRPr sz="3000"/>
+          </a:p>
+          <a:p>
+            <a:pPr lvl="0" marL="444500" indent="-444500">
+              <a:spcBef>
+                <a:spcPts val="1500"/>
+              </a:spcBef>
+              <a:defRPr sz="1800"/>
+            </a:pPr>
+            <a:r>
+              <a:rPr b="1" sz="3000">
+                <a:latin typeface="+mj-lt"/>
+                <a:ea typeface="+mj-ea"/>
+                <a:cs typeface="+mj-cs"/>
+                <a:sym typeface="Helvetica"/>
+              </a:rPr>
+              <a:t>Avg video per session</a:t>
+            </a:r>
+            <a:endParaRPr b="1" sz="3000">
+              <a:latin typeface="+mj-lt"/>
+              <a:ea typeface="+mj-ea"/>
+              <a:cs typeface="+mj-cs"/>
+              <a:sym typeface="Helvetica"/>
+            </a:endParaRPr>
+          </a:p>
+          <a:p>
+            <a:pPr lvl="0" marL="444500" indent="-444500">
+              <a:spcBef>
+                <a:spcPts val="1500"/>
+              </a:spcBef>
+              <a:defRPr sz="1800"/>
+            </a:pPr>
+            <a:r>
+              <a:rPr b="1" sz="3000">
+                <a:latin typeface="+mj-lt"/>
+                <a:ea typeface="+mj-ea"/>
+                <a:cs typeface="+mj-cs"/>
+                <a:sym typeface="Helvetica"/>
+              </a:rPr>
+              <a:t>Avg problem per session</a:t>
+            </a:r>
+            <a:endParaRPr b="1" sz="3000">
+              <a:latin typeface="+mj-lt"/>
+              <a:ea typeface="+mj-ea"/>
+              <a:cs typeface="+mj-cs"/>
+              <a:sym typeface="Helvetica"/>
+            </a:endParaRPr>
+          </a:p>
+          <a:p>
+            <a:pPr lvl="0" marL="444500" indent="-444500">
+              <a:spcBef>
+                <a:spcPts val="1500"/>
+              </a:spcBef>
+              <a:defRPr sz="1800"/>
+            </a:pPr>
+            <a:r>
+              <a:rPr b="1" sz="3000">
+                <a:latin typeface="+mj-lt"/>
+                <a:ea typeface="+mj-ea"/>
+                <a:cs typeface="+mj-cs"/>
+                <a:sym typeface="Helvetica"/>
+              </a:rPr>
+              <a:t>Avg access per session</a:t>
+            </a:r>
+            <a:endParaRPr b="1" sz="3000">
+              <a:latin typeface="+mj-lt"/>
+              <a:ea typeface="+mj-ea"/>
+              <a:cs typeface="+mj-cs"/>
+              <a:sym typeface="Helvetica"/>
+            </a:endParaRPr>
+          </a:p>
+          <a:p>
+            <a:pPr lvl="0" marL="444500" indent="-444500">
+              <a:spcBef>
+                <a:spcPts val="1500"/>
+              </a:spcBef>
+              <a:defRPr sz="1800"/>
+            </a:pPr>
+            <a:r>
+              <a:rPr b="1" sz="3000">
+                <a:latin typeface="+mj-lt"/>
+                <a:ea typeface="+mj-ea"/>
+                <a:cs typeface="+mj-cs"/>
+                <a:sym typeface="Helvetica"/>
+              </a:rPr>
+              <a:t>Avg navigate per session</a:t>
+            </a:r>
+            <a:endParaRPr b="1" sz="3000">
+              <a:latin typeface="+mj-lt"/>
+              <a:ea typeface="+mj-ea"/>
+              <a:cs typeface="+mj-cs"/>
+              <a:sym typeface="Helvetica"/>
+            </a:endParaRPr>
+          </a:p>
+          <a:p>
+            <a:pPr lvl="0" marL="444500" indent="-444500">
+              <a:spcBef>
+                <a:spcPts val="1500"/>
+              </a:spcBef>
+              <a:defRPr sz="1800"/>
+            </a:pPr>
+            <a:r>
+              <a:rPr b="1" sz="3000">
+                <a:latin typeface="+mj-lt"/>
+                <a:ea typeface="+mj-ea"/>
+                <a:cs typeface="+mj-cs"/>
+                <a:sym typeface="Helvetica"/>
+              </a:rPr>
+              <a:t>Avg discussion per session</a:t>
+            </a:r>
+          </a:p>
+        </p:txBody>
+      </p:sp>
+    </p:spTree>
+  </p:cSld>
+  <p:clrMapOvr>
+    <a:masterClrMapping/>
+  </p:clrMapOvr>
+  <p:transition spd="med" advClick="1"/>
+</p:sld>
+</file>
+
+<file path=ppt/slides/slide13.xml><?xml version="1.0" encoding="utf-8"?>
+<p:sld xmlns:a="http://schemas.openxmlformats.org/drawingml/2006/main" xmlns:r="http://schemas.openxmlformats.org/officeDocument/2006/relationships" xmlns:p="http://schemas.openxmlformats.org/presentationml/2006/main" showMasterSp="1" showMasterPhAnim="1">
+  <p:cSld>
+    <p:spTree>
+      <p:nvGrpSpPr>
+        <p:cNvPr id="1" name=""/>
+        <p:cNvGrpSpPr/>
+        <p:nvPr/>
+      </p:nvGrpSpPr>
+      <p:grpSpPr>
+        <a:xfrm>
+          <a:off x="0" y="0"/>
+          <a:ext cx="0" cy="0"/>
+          <a:chOff x="0" y="0"/>
+          <a:chExt cx="0" cy="0"/>
+        </a:xfrm>
+      </p:grpSpPr>
+      <p:sp>
+        <p:nvSpPr>
+          <p:cNvPr id="72" name="Shape 72"/>
+          <p:cNvSpPr/>
+          <p:nvPr>
+            <p:ph type="title"/>
+          </p:nvPr>
+        </p:nvSpPr>
+        <p:spPr>
+          <a:prstGeom prst="rect">
+            <a:avLst/>
+          </a:prstGeom>
+        </p:spPr>
+        <p:txBody>
+          <a:bodyPr/>
           <a:lstStyle>
-            <a:lvl1pPr>
-              <a:defRPr u="sng">
-                <a:hlinkClick r:id="rId3" invalidUrl="" action="" tgtFrame="" tooltip="" history="1" highlightClick="0" endSnd="0"/>
-              </a:defRPr>
+            <a:lvl1pPr defTabSz="519937">
+              <a:defRPr sz="7119"/>
             </a:lvl1pPr>
           </a:lstStyle>
           <a:p>
             <a:pPr lvl="0">
-              <a:defRPr sz="1800" u="none"/>
-            </a:pPr>
-            <a:r>
-              <a:rPr sz="3600" u="sng">
-                <a:hlinkClick r:id="rId3" invalidUrl="" action="" tgtFrame="" tooltip="" history="1" highlightClick="0" endSnd="0"/>
+              <a:defRPr sz="1800"/>
+            </a:pPr>
+            <a:r>
+              <a:rPr sz="7119"/>
+              <a:t>Features #3: behaviour time-pattern</a:t>
+            </a:r>
+          </a:p>
+        </p:txBody>
+      </p:sp>
+      <p:sp>
+        <p:nvSpPr>
+          <p:cNvPr id="73" name="Shape 73"/>
+          <p:cNvSpPr/>
+          <p:nvPr>
+            <p:ph type="body" idx="1"/>
+          </p:nvPr>
+        </p:nvSpPr>
+        <p:spPr>
+          <a:prstGeom prst="rect">
+            <a:avLst/>
+          </a:prstGeom>
+        </p:spPr>
+        <p:txBody>
+          <a:bodyPr/>
+          <a:lstStyle/>
+          <a:p>
+            <a:pPr lvl="0">
+              <a:defRPr sz="1800"/>
+            </a:pPr>
+            <a:r>
+              <a:rPr b="1" sz="3600">
+                <a:latin typeface="+mj-lt"/>
+                <a:ea typeface="+mj-ea"/>
+                <a:cs typeface="+mj-cs"/>
+                <a:sym typeface="Helvetica"/>
               </a:rPr>
-              <a:t>https://plot.ly/~numb3r3/181</a:t>
+              <a:t>Daytime </a:t>
+            </a:r>
+            <a:r>
+              <a:rPr sz="3600"/>
+              <a:t>vs</a:t>
+            </a:r>
+            <a:r>
+              <a:rPr b="1" sz="3600">
+                <a:latin typeface="+mj-lt"/>
+                <a:ea typeface="+mj-ea"/>
+                <a:cs typeface="+mj-cs"/>
+                <a:sym typeface="Helvetica"/>
+              </a:rPr>
+              <a:t> Nighttime</a:t>
+            </a:r>
+            <a:endParaRPr b="1" sz="3600">
+              <a:latin typeface="+mj-lt"/>
+              <a:ea typeface="+mj-ea"/>
+              <a:cs typeface="+mj-cs"/>
+              <a:sym typeface="Helvetica"/>
+            </a:endParaRPr>
+          </a:p>
+          <a:p>
+            <a:pPr lvl="1">
+              <a:defRPr sz="1800"/>
+            </a:pPr>
+            <a:r>
+              <a:rPr i="1" sz="3600"/>
+              <a:t>Daytime: </a:t>
+            </a:r>
+            <a:r>
+              <a:rPr sz="3600"/>
+              <a:t>07:00 - 19:00</a:t>
+            </a:r>
+            <a:endParaRPr sz="3600"/>
+          </a:p>
+          <a:p>
+            <a:pPr lvl="1">
+              <a:defRPr sz="1800"/>
+            </a:pPr>
+            <a:r>
+              <a:rPr i="1" sz="3600"/>
+              <a:t>Nighttime:</a:t>
+            </a:r>
+            <a:r>
+              <a:rPr sz="3600"/>
+              <a:t> others</a:t>
+            </a:r>
+            <a:endParaRPr sz="3600"/>
+          </a:p>
+          <a:p>
+            <a:pPr lvl="0">
+              <a:defRPr sz="1800"/>
+            </a:pPr>
+            <a:r>
+              <a:rPr b="1" sz="3600">
+                <a:latin typeface="+mj-lt"/>
+                <a:ea typeface="+mj-ea"/>
+                <a:cs typeface="+mj-cs"/>
+                <a:sym typeface="Helvetica"/>
+              </a:rPr>
+              <a:t>Weekday </a:t>
+            </a:r>
+            <a:r>
+              <a:rPr sz="3600"/>
+              <a:t>vs</a:t>
+            </a:r>
+            <a:r>
+              <a:rPr b="1" sz="3600">
+                <a:latin typeface="+mj-lt"/>
+                <a:ea typeface="+mj-ea"/>
+                <a:cs typeface="+mj-cs"/>
+                <a:sym typeface="Helvetica"/>
+              </a:rPr>
+              <a:t> Weekend</a:t>
+            </a:r>
+          </a:p>
+        </p:txBody>
+      </p:sp>
+    </p:spTree>
+  </p:cSld>
+  <p:clrMapOvr>
+    <a:masterClrMapping/>
+  </p:clrMapOvr>
+  <p:transition spd="med" advClick="1"/>
+</p:sld>
+</file>
+
+<file path=ppt/slides/slide14.xml><?xml version="1.0" encoding="utf-8"?>
+<p:sld xmlns:a="http://schemas.openxmlformats.org/drawingml/2006/main" xmlns:r="http://schemas.openxmlformats.org/officeDocument/2006/relationships" xmlns:p="http://schemas.openxmlformats.org/presentationml/2006/main" showMasterSp="1" showMasterPhAnim="1">
+  <p:cSld>
+    <p:spTree>
+      <p:nvGrpSpPr>
+        <p:cNvPr id="1" name=""/>
+        <p:cNvGrpSpPr/>
+        <p:nvPr/>
+      </p:nvGrpSpPr>
+      <p:grpSpPr>
+        <a:xfrm>
+          <a:off x="0" y="0"/>
+          <a:ext cx="0" cy="0"/>
+          <a:chOff x="0" y="0"/>
+          <a:chExt cx="0" cy="0"/>
+        </a:xfrm>
+      </p:grpSpPr>
+      <p:sp>
+        <p:nvSpPr>
+          <p:cNvPr id="75" name="Shape 75"/>
+          <p:cNvSpPr/>
+          <p:nvPr>
+            <p:ph type="title"/>
+          </p:nvPr>
+        </p:nvSpPr>
+        <p:spPr>
+          <a:prstGeom prst="rect">
+            <a:avLst/>
+          </a:prstGeom>
+        </p:spPr>
+        <p:txBody>
+          <a:bodyPr/>
+          <a:lstStyle>
+            <a:lvl1pPr defTabSz="519937">
+              <a:defRPr sz="7119"/>
+            </a:lvl1pPr>
+          </a:lstStyle>
+          <a:p>
+            <a:pPr lvl="0">
+              <a:defRPr sz="1800"/>
+            </a:pPr>
+            <a:r>
+              <a:rPr sz="7119"/>
+              <a:t>Features #4: temporal features </a:t>
+            </a:r>
+          </a:p>
+        </p:txBody>
+      </p:sp>
+      <p:sp>
+        <p:nvSpPr>
+          <p:cNvPr id="76" name="Shape 76"/>
+          <p:cNvSpPr/>
+          <p:nvPr>
+            <p:ph type="body" idx="1"/>
+          </p:nvPr>
+        </p:nvSpPr>
+        <p:spPr>
+          <a:prstGeom prst="rect">
+            <a:avLst/>
+          </a:prstGeom>
+        </p:spPr>
+        <p:txBody>
+          <a:bodyPr/>
+          <a:lstStyle/>
+          <a:p>
+            <a:pPr lvl="0" marL="373379" indent="-373379" defTabSz="490727">
+              <a:spcBef>
+                <a:spcPts val="3500"/>
+              </a:spcBef>
+              <a:defRPr sz="1800"/>
+            </a:pPr>
+            <a:r>
+              <a:rPr sz="3024"/>
+              <a:t>Summary features in last </a:t>
+            </a:r>
+            <a:r>
+              <a:rPr b="1" sz="3024">
+                <a:latin typeface="+mj-lt"/>
+                <a:ea typeface="+mj-ea"/>
+                <a:cs typeface="+mj-cs"/>
+                <a:sym typeface="Helvetica"/>
+              </a:rPr>
+              <a:t>{1, 2} </a:t>
+            </a:r>
+            <a:r>
+              <a:rPr sz="3024"/>
+              <a:t>week</a:t>
+            </a:r>
+            <a:endParaRPr sz="3024"/>
+          </a:p>
+          <a:p>
+            <a:pPr lvl="0" marL="373379" indent="-373379" defTabSz="490727">
+              <a:spcBef>
+                <a:spcPts val="3500"/>
+              </a:spcBef>
+              <a:defRPr sz="1800"/>
+            </a:pPr>
+            <a:r>
+              <a:rPr sz="3024"/>
+              <a:t>Session features in last </a:t>
+            </a:r>
+            <a:r>
+              <a:rPr b="1" sz="3024">
+                <a:latin typeface="+mj-lt"/>
+                <a:ea typeface="+mj-ea"/>
+                <a:cs typeface="+mj-cs"/>
+                <a:sym typeface="Helvetica"/>
+              </a:rPr>
+              <a:t>{1, 2}</a:t>
+            </a:r>
+            <a:r>
+              <a:rPr sz="3024"/>
+              <a:t> week</a:t>
+            </a:r>
+            <a:endParaRPr sz="3024"/>
+          </a:p>
+          <a:p>
+            <a:pPr lvl="0" marL="373379" indent="-373379" defTabSz="490727">
+              <a:spcBef>
+                <a:spcPts val="3500"/>
+              </a:spcBef>
+              <a:defRPr sz="1800"/>
+            </a:pPr>
+            <a:r>
+              <a:rPr sz="3024"/>
+              <a:t>The </a:t>
+            </a:r>
+            <a:r>
+              <a:rPr b="1" sz="3024">
+                <a:latin typeface="+mj-lt"/>
+                <a:ea typeface="+mj-ea"/>
+                <a:cs typeface="+mj-cs"/>
+                <a:sym typeface="Helvetica"/>
+              </a:rPr>
+              <a:t>number request happens in time slots</a:t>
+            </a:r>
+            <a:r>
+              <a:rPr sz="3024"/>
+              <a:t>:</a:t>
+            </a:r>
+            <a:endParaRPr sz="3024"/>
+          </a:p>
+          <a:p>
+            <a:pPr lvl="1" marL="746759" indent="-373379" defTabSz="490727">
+              <a:spcBef>
+                <a:spcPts val="800"/>
+              </a:spcBef>
+              <a:defRPr sz="1800"/>
+            </a:pPr>
+            <a:r>
+              <a:rPr sz="3024"/>
+              <a:t>0am-6am</a:t>
+            </a:r>
+            <a:endParaRPr sz="3024"/>
+          </a:p>
+          <a:p>
+            <a:pPr lvl="1" marL="746759" indent="-373379" defTabSz="490727">
+              <a:spcBef>
+                <a:spcPts val="800"/>
+              </a:spcBef>
+              <a:defRPr sz="1800"/>
+            </a:pPr>
+            <a:r>
+              <a:rPr sz="3024"/>
+              <a:t>6am-9am</a:t>
+            </a:r>
+            <a:endParaRPr sz="3024"/>
+          </a:p>
+          <a:p>
+            <a:pPr lvl="1" marL="746759" indent="-373379" defTabSz="490727">
+              <a:spcBef>
+                <a:spcPts val="800"/>
+              </a:spcBef>
+              <a:defRPr sz="1800"/>
+            </a:pPr>
+            <a:r>
+              <a:rPr sz="3024"/>
+              <a:t>8am-12am</a:t>
+            </a:r>
+            <a:endParaRPr sz="3024"/>
+          </a:p>
+          <a:p>
+            <a:pPr lvl="1" marL="746759" indent="-373379" defTabSz="490727">
+              <a:spcBef>
+                <a:spcPts val="800"/>
+              </a:spcBef>
+              <a:defRPr sz="1800"/>
+            </a:pPr>
+            <a:r>
+              <a:rPr sz="3024"/>
+              <a:t>12am-18pm</a:t>
+            </a:r>
+            <a:endParaRPr sz="3024"/>
+          </a:p>
+          <a:p>
+            <a:pPr lvl="1" marL="746759" indent="-373379" defTabSz="490727">
+              <a:spcBef>
+                <a:spcPts val="800"/>
+              </a:spcBef>
+              <a:defRPr sz="1800"/>
+            </a:pPr>
+            <a:r>
+              <a:rPr sz="3024"/>
+              <a:t>17pm-20pm</a:t>
+            </a:r>
+            <a:endParaRPr sz="3024"/>
+          </a:p>
+          <a:p>
+            <a:pPr lvl="1" marL="746759" indent="-373379" defTabSz="490727">
+              <a:spcBef>
+                <a:spcPts val="800"/>
+              </a:spcBef>
+              <a:defRPr sz="1800"/>
+            </a:pPr>
+            <a:r>
+              <a:rPr sz="3024"/>
+              <a:t>19pm-24pm</a:t>
+            </a:r>
+            <a:endParaRPr sz="3024"/>
+          </a:p>
+          <a:p>
+            <a:pPr lvl="0" marL="373379" indent="-373379" defTabSz="490727">
+              <a:spcBef>
+                <a:spcPts val="800"/>
+              </a:spcBef>
+              <a:defRPr sz="1800"/>
+            </a:pPr>
+            <a:r>
+              <a:rPr sz="3024"/>
+              <a:t>The</a:t>
+            </a:r>
+            <a:r>
+              <a:rPr b="1" sz="3024">
+                <a:latin typeface="+mj-lt"/>
+                <a:ea typeface="+mj-ea"/>
+                <a:cs typeface="+mj-cs"/>
+                <a:sym typeface="Helvetica"/>
+              </a:rPr>
+              <a:t> count/mean/variance hour</a:t>
+            </a:r>
+            <a:r>
+              <a:rPr sz="3024"/>
+              <a:t> of requests</a:t>
+            </a:r>
+          </a:p>
+        </p:txBody>
+      </p:sp>
+    </p:spTree>
+  </p:cSld>
+  <p:clrMapOvr>
+    <a:masterClrMapping/>
+  </p:clrMapOvr>
+  <p:transition spd="med" advClick="1"/>
+</p:sld>
+</file>
+
+<file path=ppt/slides/slide15.xml><?xml version="1.0" encoding="utf-8"?>
+<p:sld xmlns:a="http://schemas.openxmlformats.org/drawingml/2006/main" xmlns:r="http://schemas.openxmlformats.org/officeDocument/2006/relationships" xmlns:p="http://schemas.openxmlformats.org/presentationml/2006/main" showMasterSp="1" showMasterPhAnim="1">
+  <p:cSld>
+    <p:spTree>
+      <p:nvGrpSpPr>
+        <p:cNvPr id="1" name=""/>
+        <p:cNvGrpSpPr/>
+        <p:nvPr/>
+      </p:nvGrpSpPr>
+      <p:grpSpPr>
+        <a:xfrm>
+          <a:off x="0" y="0"/>
+          <a:ext cx="0" cy="0"/>
+          <a:chOff x="0" y="0"/>
+          <a:chExt cx="0" cy="0"/>
+        </a:xfrm>
+      </p:grpSpPr>
+      <p:sp>
+        <p:nvSpPr>
+          <p:cNvPr id="78" name="Shape 78"/>
+          <p:cNvSpPr/>
+          <p:nvPr>
+            <p:ph type="title"/>
+          </p:nvPr>
+        </p:nvSpPr>
+        <p:spPr>
+          <a:prstGeom prst="rect">
+            <a:avLst/>
+          </a:prstGeom>
+        </p:spPr>
+        <p:txBody>
+          <a:bodyPr/>
+          <a:lstStyle/>
+          <a:p>
+            <a:pPr lvl="0">
+              <a:defRPr sz="1800"/>
+            </a:pPr>
+            <a:r>
+              <a:rPr sz="8000"/>
+              <a:t>Features #5: lagging</a:t>
+            </a:r>
+          </a:p>
+        </p:txBody>
+      </p:sp>
+      <p:sp>
+        <p:nvSpPr>
+          <p:cNvPr id="79" name="Shape 79"/>
+          <p:cNvSpPr/>
+          <p:nvPr>
+            <p:ph type="body" idx="1"/>
+          </p:nvPr>
+        </p:nvSpPr>
+        <p:spPr>
+          <a:prstGeom prst="rect">
+            <a:avLst/>
+          </a:prstGeom>
+        </p:spPr>
+        <p:txBody>
+          <a:bodyPr/>
+          <a:lstStyle/>
+          <a:p>
+            <a:pPr lvl="0">
+              <a:defRPr sz="1800"/>
+            </a:pPr>
+            <a:r>
+              <a:rPr b="1" sz="3600">
+                <a:latin typeface="+mj-lt"/>
+                <a:ea typeface="+mj-ea"/>
+                <a:cs typeface="+mj-cs"/>
+                <a:sym typeface="Helvetica"/>
+              </a:rPr>
+              <a:t>Lag: </a:t>
+            </a:r>
+            <a:r>
+              <a:rPr sz="3600"/>
+              <a:t>the time gap (in unit day) between active days</a:t>
+            </a:r>
+            <a:endParaRPr sz="3600"/>
+          </a:p>
+          <a:p>
+            <a:pPr lvl="0">
+              <a:defRPr sz="1800"/>
+            </a:pPr>
+            <a:r>
+              <a:rPr sz="3600"/>
+              <a:t>Min/Max/Mean/Std lags</a:t>
+            </a:r>
+            <a:endParaRPr sz="3600"/>
+          </a:p>
+          <a:p>
+            <a:pPr lvl="0">
+              <a:defRPr sz="1800"/>
+            </a:pPr>
+            <a:r>
+              <a:rPr sz="3600"/>
+              <a:t>Number of lags &gt; 3 days</a:t>
+            </a:r>
+            <a:endParaRPr sz="3600"/>
+          </a:p>
+          <a:p>
+            <a:pPr lvl="0">
+              <a:defRPr sz="1800"/>
+            </a:pPr>
+            <a:r>
+              <a:rPr sz="3600"/>
+              <a:t>Number of lags &gt; 1 week</a:t>
+            </a:r>
+            <a:endParaRPr sz="3600"/>
+          </a:p>
+          <a:p>
+            <a:pPr lvl="0">
+              <a:defRPr sz="1800"/>
+            </a:pPr>
+            <a:r>
+              <a:rPr sz="3600"/>
+              <a:t>Number of lags &gt; 2 weeks</a:t>
+            </a:r>
+          </a:p>
+        </p:txBody>
+      </p:sp>
+    </p:spTree>
+  </p:cSld>
+  <p:clrMapOvr>
+    <a:masterClrMapping/>
+  </p:clrMapOvr>
+  <p:transition spd="med" advClick="1"/>
+</p:sld>
+</file>
+
+<file path=ppt/slides/slide16.xml><?xml version="1.0" encoding="utf-8"?>
+<p:sld xmlns:a="http://schemas.openxmlformats.org/drawingml/2006/main" xmlns:r="http://schemas.openxmlformats.org/officeDocument/2006/relationships" xmlns:p="http://schemas.openxmlformats.org/presentationml/2006/main" showMasterSp="1" showMasterPhAnim="1">
+  <p:cSld>
+    <p:spTree>
+      <p:nvGrpSpPr>
+        <p:cNvPr id="1" name=""/>
+        <p:cNvGrpSpPr/>
+        <p:nvPr/>
+      </p:nvGrpSpPr>
+      <p:grpSpPr>
+        <a:xfrm>
+          <a:off x="0" y="0"/>
+          <a:ext cx="0" cy="0"/>
+          <a:chOff x="0" y="0"/>
+          <a:chExt cx="0" cy="0"/>
+        </a:xfrm>
+      </p:grpSpPr>
+      <p:sp>
+        <p:nvSpPr>
+          <p:cNvPr id="81" name="Shape 81"/>
+          <p:cNvSpPr/>
+          <p:nvPr>
+            <p:ph type="title"/>
+          </p:nvPr>
+        </p:nvSpPr>
+        <p:spPr>
+          <a:prstGeom prst="rect">
+            <a:avLst/>
+          </a:prstGeom>
+        </p:spPr>
+        <p:txBody>
+          <a:bodyPr/>
+          <a:lstStyle>
+            <a:lvl1pPr defTabSz="519937">
+              <a:defRPr sz="7119"/>
+            </a:lvl1pPr>
+          </a:lstStyle>
+          <a:p>
+            <a:pPr lvl="0">
+              <a:defRPr sz="1800"/>
+            </a:pPr>
+            <a:r>
+              <a:rPr sz="7119"/>
+              <a:t>Features #6: module level features</a:t>
+            </a:r>
+          </a:p>
+        </p:txBody>
+      </p:sp>
+      <p:sp>
+        <p:nvSpPr>
+          <p:cNvPr id="82" name="Shape 82"/>
+          <p:cNvSpPr/>
+          <p:nvPr>
+            <p:ph type="body" idx="1"/>
+          </p:nvPr>
+        </p:nvSpPr>
+        <p:spPr>
+          <a:prstGeom prst="rect">
+            <a:avLst/>
+          </a:prstGeom>
+        </p:spPr>
+        <p:txBody>
+          <a:bodyPr/>
+          <a:lstStyle/>
+          <a:p>
+            <a:pPr lvl="0">
+              <a:defRPr sz="1800"/>
+            </a:pPr>
+            <a:r>
+              <a:rPr sz="3600"/>
+              <a:t>The lag (in unit of day) between the release time of the accessed module and the access date</a:t>
+            </a:r>
+            <a:endParaRPr sz="3600"/>
+          </a:p>
+          <a:p>
+            <a:pPr lvl="0">
+              <a:defRPr sz="1800"/>
+            </a:pPr>
+            <a:r>
+              <a:rPr sz="3600"/>
+              <a:t>The median days of the lags for 1st/last access</a:t>
+            </a:r>
+            <a:endParaRPr sz="3600"/>
+          </a:p>
+          <a:p>
+            <a:pPr lvl="0">
+              <a:defRPr sz="1800"/>
+            </a:pPr>
+            <a:r>
+              <a:rPr sz="3600"/>
+              <a:t>The 25% and 75% percentage days of lags for 1st/last access</a:t>
+            </a:r>
+          </a:p>
+        </p:txBody>
+      </p:sp>
+    </p:spTree>
+  </p:cSld>
+  <p:clrMapOvr>
+    <a:masterClrMapping/>
+  </p:clrMapOvr>
+  <p:transition spd="med" advClick="1"/>
+</p:sld>
+</file>
+
+<file path=ppt/slides/slide17.xml><?xml version="1.0" encoding="utf-8"?>
+<p:sld xmlns:a="http://schemas.openxmlformats.org/drawingml/2006/main" xmlns:r="http://schemas.openxmlformats.org/officeDocument/2006/relationships" xmlns:p="http://schemas.openxmlformats.org/presentationml/2006/main" showMasterSp="1" showMasterPhAnim="1">
+  <p:cSld>
+    <p:spTree>
+      <p:nvGrpSpPr>
+        <p:cNvPr id="1" name=""/>
+        <p:cNvGrpSpPr/>
+        <p:nvPr/>
+      </p:nvGrpSpPr>
+      <p:grpSpPr>
+        <a:xfrm>
+          <a:off x="0" y="0"/>
+          <a:ext cx="0" cy="0"/>
+          <a:chOff x="0" y="0"/>
+          <a:chExt cx="0" cy="0"/>
+        </a:xfrm>
+      </p:grpSpPr>
+      <p:sp>
+        <p:nvSpPr>
+          <p:cNvPr id="84" name="Shape 84"/>
+          <p:cNvSpPr/>
+          <p:nvPr>
+            <p:ph type="title"/>
+          </p:nvPr>
+        </p:nvSpPr>
+        <p:spPr>
+          <a:prstGeom prst="rect">
+            <a:avLst/>
+          </a:prstGeom>
+        </p:spPr>
+        <p:txBody>
+          <a:bodyPr/>
+          <a:lstStyle/>
+          <a:p>
+            <a:pPr lvl="0">
+              <a:defRPr sz="1800"/>
+            </a:pPr>
+            <a:r>
+              <a:rPr sz="8000"/>
+              <a:t>Features #7: stay time</a:t>
+            </a:r>
+          </a:p>
+        </p:txBody>
+      </p:sp>
+      <p:sp>
+        <p:nvSpPr>
+          <p:cNvPr id="85" name="Shape 85"/>
+          <p:cNvSpPr/>
+          <p:nvPr>
+            <p:ph type="body" idx="1"/>
+          </p:nvPr>
+        </p:nvSpPr>
+        <p:spPr>
+          <a:prstGeom prst="rect">
+            <a:avLst/>
+          </a:prstGeom>
+        </p:spPr>
+        <p:txBody>
+          <a:bodyPr/>
+          <a:lstStyle/>
+          <a:p>
+            <a:pPr lvl="0">
+              <a:defRPr sz="1800"/>
+            </a:pPr>
+            <a:r>
+              <a:rPr sz="3600"/>
+              <a:t>The </a:t>
+            </a:r>
+            <a:r>
+              <a:rPr b="1" sz="3600">
+                <a:latin typeface="+mj-lt"/>
+                <a:ea typeface="+mj-ea"/>
+                <a:cs typeface="+mj-cs"/>
+                <a:sym typeface="Helvetica"/>
+              </a:rPr>
+              <a:t>stay time</a:t>
+            </a:r>
+            <a:r>
+              <a:rPr sz="3600"/>
+              <a:t> for every active days</a:t>
+            </a:r>
+            <a:endParaRPr sz="3600"/>
+          </a:p>
+          <a:p>
+            <a:pPr lvl="1">
+              <a:defRPr sz="1800"/>
+            </a:pPr>
+            <a:r>
+              <a:rPr sz="3600"/>
+              <a:t>max/min/mean/variance stay time</a:t>
+            </a:r>
+          </a:p>
+        </p:txBody>
+      </p:sp>
+    </p:spTree>
+  </p:cSld>
+  <p:clrMapOvr>
+    <a:masterClrMapping/>
+  </p:clrMapOvr>
+  <p:transition spd="med" advClick="1"/>
+</p:sld>
+</file>
+
+<file path=ppt/slides/slide18.xml><?xml version="1.0" encoding="utf-8"?>
+<p:sld xmlns:a="http://schemas.openxmlformats.org/drawingml/2006/main" xmlns:r="http://schemas.openxmlformats.org/officeDocument/2006/relationships" xmlns:p="http://schemas.openxmlformats.org/presentationml/2006/main" showMasterSp="1" showMasterPhAnim="1">
+  <p:cSld>
+    <p:spTree>
+      <p:nvGrpSpPr>
+        <p:cNvPr id="1" name=""/>
+        <p:cNvGrpSpPr/>
+        <p:nvPr/>
+      </p:nvGrpSpPr>
+      <p:grpSpPr>
+        <a:xfrm>
+          <a:off x="0" y="0"/>
+          <a:ext cx="0" cy="0"/>
+          <a:chOff x="0" y="0"/>
+          <a:chExt cx="0" cy="0"/>
+        </a:xfrm>
+      </p:grpSpPr>
+      <p:sp>
+        <p:nvSpPr>
+          <p:cNvPr id="87" name="Shape 87"/>
+          <p:cNvSpPr/>
+          <p:nvPr>
+            <p:ph type="title"/>
+          </p:nvPr>
+        </p:nvSpPr>
+        <p:spPr>
+          <a:prstGeom prst="rect">
+            <a:avLst/>
+          </a:prstGeom>
+        </p:spPr>
+        <p:txBody>
+          <a:bodyPr/>
+          <a:lstStyle/>
+          <a:p>
+            <a:pPr lvl="0">
+              <a:defRPr sz="1800"/>
+            </a:pPr>
+            <a:r>
+              <a:rPr sz="8000"/>
+              <a:t>Models</a:t>
+            </a:r>
+          </a:p>
+        </p:txBody>
+      </p:sp>
+      <p:sp>
+        <p:nvSpPr>
+          <p:cNvPr id="88" name="Shape 88"/>
+          <p:cNvSpPr/>
+          <p:nvPr>
+            <p:ph type="body" idx="1"/>
+          </p:nvPr>
+        </p:nvSpPr>
+        <p:spPr>
+          <a:prstGeom prst="rect">
+            <a:avLst/>
+          </a:prstGeom>
+        </p:spPr>
+        <p:txBody>
+          <a:bodyPr/>
+          <a:lstStyle/>
+          <a:p>
+            <a:pPr lvl="0" marL="889000" indent="-889000">
+              <a:defRPr sz="1800"/>
+            </a:pPr>
+            <a:r>
+              <a:rPr sz="3600"/>
+              <a:t>Logistic Regression</a:t>
+            </a:r>
+            <a:endParaRPr sz="3600"/>
+          </a:p>
+          <a:p>
+            <a:pPr lvl="0" marL="889000" indent="-889000">
+              <a:defRPr sz="1800"/>
+            </a:pPr>
+            <a:r>
+              <a:rPr sz="3600"/>
+              <a:t>Gradient Boosting Tree (xgboost)</a:t>
+            </a:r>
+            <a:endParaRPr sz="3600"/>
+          </a:p>
+          <a:p>
+            <a:pPr lvl="0" marL="889000" indent="-889000">
+              <a:defRPr sz="1800"/>
+            </a:pPr>
+            <a:r>
+              <a:rPr sz="3600"/>
+              <a:t>Random Forest</a:t>
+            </a:r>
+            <a:endParaRPr sz="3600"/>
+          </a:p>
+          <a:p>
+            <a:pPr lvl="0" marL="889000" indent="-889000">
+              <a:defRPr sz="1800"/>
+            </a:pPr>
+            <a:r>
+              <a:rPr sz="3600"/>
+              <a:t>Deep learning</a:t>
+            </a:r>
+          </a:p>
+        </p:txBody>
+      </p:sp>
+    </p:spTree>
+  </p:cSld>
+  <p:clrMapOvr>
+    <a:masterClrMapping/>
+  </p:clrMapOvr>
+  <p:transition spd="med" advClick="1"/>
+</p:sld>
+</file>
+
+<file path=ppt/slides/slide19.xml><?xml version="1.0" encoding="utf-8"?>
+<p:sld xmlns:a="http://schemas.openxmlformats.org/drawingml/2006/main" xmlns:r="http://schemas.openxmlformats.org/officeDocument/2006/relationships" xmlns:p="http://schemas.openxmlformats.org/presentationml/2006/main" showMasterSp="1" showMasterPhAnim="1">
+  <p:cSld>
+    <p:spTree>
+      <p:nvGrpSpPr>
+        <p:cNvPr id="1" name=""/>
+        <p:cNvGrpSpPr/>
+        <p:nvPr/>
+      </p:nvGrpSpPr>
+      <p:grpSpPr>
+        <a:xfrm>
+          <a:off x="0" y="0"/>
+          <a:ext cx="0" cy="0"/>
+          <a:chOff x="0" y="0"/>
+          <a:chExt cx="0" cy="0"/>
+        </a:xfrm>
+      </p:grpSpPr>
+      <p:sp>
+        <p:nvSpPr>
+          <p:cNvPr id="90" name="Shape 90"/>
+          <p:cNvSpPr/>
+          <p:nvPr>
+            <p:ph type="title"/>
+          </p:nvPr>
+        </p:nvSpPr>
+        <p:spPr>
+          <a:prstGeom prst="rect">
+            <a:avLst/>
+          </a:prstGeom>
+        </p:spPr>
+        <p:txBody>
+          <a:bodyPr/>
+          <a:lstStyle/>
+          <a:p>
+            <a:pPr lvl="0">
+              <a:defRPr sz="1800"/>
+            </a:pPr>
+            <a:r>
+              <a:rPr sz="8000"/>
+              <a:t>Improvement Directions</a:t>
+            </a:r>
+          </a:p>
+        </p:txBody>
+      </p:sp>
+      <p:sp>
+        <p:nvSpPr>
+          <p:cNvPr id="91" name="Shape 91"/>
+          <p:cNvSpPr/>
+          <p:nvPr>
+            <p:ph type="body" idx="1"/>
+          </p:nvPr>
+        </p:nvSpPr>
+        <p:spPr>
+          <a:prstGeom prst="rect">
+            <a:avLst/>
+          </a:prstGeom>
+        </p:spPr>
+        <p:txBody>
+          <a:bodyPr/>
+          <a:lstStyle/>
+          <a:p>
+            <a:pPr lvl="0" marL="293370" indent="-293370" defTabSz="385572">
+              <a:spcBef>
+                <a:spcPts val="2700"/>
+              </a:spcBef>
+              <a:defRPr sz="1800"/>
+            </a:pPr>
+            <a:r>
+              <a:rPr sz="2376"/>
+              <a:t>The </a:t>
+            </a:r>
+            <a:r>
+              <a:rPr b="1" sz="2376">
+                <a:latin typeface="+mj-lt"/>
+                <a:ea typeface="+mj-ea"/>
+                <a:cs typeface="+mj-cs"/>
+                <a:sym typeface="Helvetica"/>
+              </a:rPr>
+              <a:t>correlations between users</a:t>
+            </a:r>
+            <a:r>
+              <a:rPr sz="2376"/>
+              <a:t> who enrol the same course</a:t>
+            </a:r>
+            <a:endParaRPr sz="2376"/>
+          </a:p>
+          <a:p>
+            <a:pPr lvl="1" marL="586740" indent="-293370" defTabSz="385572">
+              <a:spcBef>
+                <a:spcPts val="2700"/>
+              </a:spcBef>
+              <a:defRPr sz="1800"/>
+            </a:pPr>
+            <a:r>
+              <a:rPr sz="2376"/>
+              <a:t>similarities between users</a:t>
+            </a:r>
+            <a:endParaRPr sz="2376"/>
+          </a:p>
+          <a:p>
+            <a:pPr lvl="1" marL="586740" indent="-293370" defTabSz="385572">
+              <a:spcBef>
+                <a:spcPts val="2700"/>
+              </a:spcBef>
+              <a:defRPr sz="1800"/>
+            </a:pPr>
+            <a:r>
+              <a:rPr sz="2376"/>
+              <a:t>the preference regarding to the courses’ module</a:t>
+            </a:r>
+            <a:endParaRPr sz="2376"/>
+          </a:p>
+          <a:p>
+            <a:pPr lvl="0" marL="293370" indent="-293370" defTabSz="385572">
+              <a:spcBef>
+                <a:spcPts val="2700"/>
+              </a:spcBef>
+              <a:defRPr sz="1800"/>
+            </a:pPr>
+            <a:r>
+              <a:rPr sz="2376"/>
+              <a:t>Feature selections/normalise/scaling</a:t>
+            </a:r>
+            <a:endParaRPr sz="2376"/>
+          </a:p>
+          <a:p>
+            <a:pPr lvl="0" marL="293370" indent="-293370" defTabSz="385572">
+              <a:spcBef>
+                <a:spcPts val="2700"/>
+              </a:spcBef>
+              <a:defRPr sz="1800"/>
+            </a:pPr>
+            <a:r>
+              <a:rPr sz="2376"/>
+              <a:t>t-SNE dimension reduction (would benefit the logistic regression/neural network classifier)</a:t>
+            </a:r>
+            <a:endParaRPr sz="2376"/>
+          </a:p>
+          <a:p>
+            <a:pPr lvl="0" marL="293370" indent="-293370" defTabSz="385572">
+              <a:spcBef>
+                <a:spcPts val="2700"/>
+              </a:spcBef>
+              <a:defRPr sz="1800"/>
+            </a:pPr>
+            <a:r>
+              <a:rPr sz="2376"/>
+              <a:t>Different perspective of this problem</a:t>
+            </a:r>
+            <a:endParaRPr sz="2376"/>
+          </a:p>
+          <a:p>
+            <a:pPr lvl="1" marL="586740" indent="-293370" defTabSz="385572">
+              <a:spcBef>
+                <a:spcPts val="2700"/>
+              </a:spcBef>
+              <a:defRPr sz="1800"/>
+            </a:pPr>
+            <a:r>
+              <a:rPr sz="2376"/>
+              <a:t>ranking/recommendation problem</a:t>
+            </a:r>
+            <a:endParaRPr sz="2376"/>
+          </a:p>
+          <a:p>
+            <a:pPr lvl="2" marL="880110" indent="-293370" defTabSz="385572">
+              <a:spcBef>
+                <a:spcPts val="2700"/>
+              </a:spcBef>
+              <a:defRPr sz="1800"/>
+            </a:pPr>
+            <a:r>
+              <a:rPr sz="2376"/>
+              <a:t>pair-wise (positive vs negative enrolment) model (address the imbalance problem)</a:t>
             </a:r>
           </a:p>
         </p:txBody>
@@ -2324,9 +3769,9 @@
             </a:r>
             <a:r>
               <a:rPr b="1" sz="3600">
-                <a:latin typeface="Helvetica"/>
-                <a:ea typeface="Helvetica"/>
-                <a:cs typeface="Helvetica"/>
+                <a:latin typeface="+mj-lt"/>
+                <a:ea typeface="+mj-ea"/>
+                <a:cs typeface="+mj-cs"/>
                 <a:sym typeface="Helvetica"/>
               </a:rPr>
               <a:t>10 days</a:t>
@@ -2346,6 +3791,274 @@
             <a:r>
               <a:rPr sz="3600"/>
               <a:t>If a user leaves no records for course in the log during the next 10 days, we define it as dropout from course.</a:t>
+            </a:r>
+          </a:p>
+        </p:txBody>
+      </p:sp>
+    </p:spTree>
+  </p:cSld>
+  <p:clrMapOvr>
+    <a:masterClrMapping/>
+  </p:clrMapOvr>
+  <p:transition spd="med" advClick="1"/>
+</p:sld>
+</file>
+
+<file path=ppt/slides/slide20.xml><?xml version="1.0" encoding="utf-8"?>
+<p:sld xmlns:a="http://schemas.openxmlformats.org/drawingml/2006/main" xmlns:r="http://schemas.openxmlformats.org/officeDocument/2006/relationships" xmlns:p="http://schemas.openxmlformats.org/presentationml/2006/main" showMasterSp="1" showMasterPhAnim="1">
+  <p:cSld>
+    <p:spTree>
+      <p:nvGrpSpPr>
+        <p:cNvPr id="1" name=""/>
+        <p:cNvGrpSpPr/>
+        <p:nvPr/>
+      </p:nvGrpSpPr>
+      <p:grpSpPr>
+        <a:xfrm>
+          <a:off x="0" y="0"/>
+          <a:ext cx="0" cy="0"/>
+          <a:chOff x="0" y="0"/>
+          <a:chExt cx="0" cy="0"/>
+        </a:xfrm>
+      </p:grpSpPr>
+      <p:pic>
+        <p:nvPicPr>
+          <p:cNvPr id="93" name="tsne.png"/>
+          <p:cNvPicPr/>
+          <p:nvPr/>
+        </p:nvPicPr>
+        <p:blipFill>
+          <a:blip r:embed="rId2">
+            <a:extLst/>
+          </a:blip>
+          <a:stretch>
+            <a:fillRect/>
+          </a:stretch>
+        </p:blipFill>
+        <p:spPr>
+          <a:xfrm>
+            <a:off x="0" y="0"/>
+            <a:ext cx="13004800" cy="9753600"/>
+          </a:xfrm>
+          <a:prstGeom prst="rect">
+            <a:avLst/>
+          </a:prstGeom>
+          <a:ln w="12700">
+            <a:miter lim="400000"/>
+          </a:ln>
+        </p:spPr>
+      </p:pic>
+    </p:spTree>
+  </p:cSld>
+  <p:clrMapOvr>
+    <a:masterClrMapping/>
+  </p:clrMapOvr>
+  <p:transition spd="med" advClick="1"/>
+</p:sld>
+</file>
+
+<file path=ppt/slides/slide21.xml><?xml version="1.0" encoding="utf-8"?>
+<p:sld xmlns:a="http://schemas.openxmlformats.org/drawingml/2006/main" xmlns:r="http://schemas.openxmlformats.org/officeDocument/2006/relationships" xmlns:p="http://schemas.openxmlformats.org/presentationml/2006/main" showMasterSp="1" showMasterPhAnim="1">
+  <p:cSld>
+    <p:spTree>
+      <p:nvGrpSpPr>
+        <p:cNvPr id="1" name=""/>
+        <p:cNvGrpSpPr/>
+        <p:nvPr/>
+      </p:nvGrpSpPr>
+      <p:grpSpPr>
+        <a:xfrm>
+          <a:off x="0" y="0"/>
+          <a:ext cx="0" cy="0"/>
+          <a:chOff x="0" y="0"/>
+          <a:chExt cx="0" cy="0"/>
+        </a:xfrm>
+      </p:grpSpPr>
+      <p:sp>
+        <p:nvSpPr>
+          <p:cNvPr id="95" name="Shape 95"/>
+          <p:cNvSpPr/>
+          <p:nvPr>
+            <p:ph type="title"/>
+          </p:nvPr>
+        </p:nvSpPr>
+        <p:spPr>
+          <a:xfrm>
+            <a:off x="952500" y="38100"/>
+            <a:ext cx="11099800" cy="2159000"/>
+          </a:xfrm>
+          <a:prstGeom prst="rect">
+            <a:avLst/>
+          </a:prstGeom>
+        </p:spPr>
+        <p:txBody>
+          <a:bodyPr/>
+          <a:lstStyle>
+            <a:lvl1pPr defTabSz="514094">
+              <a:defRPr sz="7000"/>
+            </a:lvl1pPr>
+          </a:lstStyle>
+          <a:p>
+            <a:pPr lvl="0">
+              <a:defRPr sz="1800"/>
+            </a:pPr>
+            <a:r>
+              <a:rPr sz="7000"/>
+              <a:t>Course-independent Model</a:t>
+            </a:r>
+          </a:p>
+        </p:txBody>
+      </p:sp>
+      <p:pic>
+        <p:nvPicPr>
+          <p:cNvPr id="96" name="image7.png"/>
+          <p:cNvPicPr/>
+          <p:nvPr/>
+        </p:nvPicPr>
+        <p:blipFill>
+          <a:blip r:embed="rId2">
+            <a:extLst/>
+          </a:blip>
+          <a:stretch>
+            <a:fillRect/>
+          </a:stretch>
+        </p:blipFill>
+        <p:spPr>
+          <a:xfrm>
+            <a:off x="2707169" y="1447014"/>
+            <a:ext cx="7590463" cy="4006079"/>
+          </a:xfrm>
+          <a:prstGeom prst="rect">
+            <a:avLst/>
+          </a:prstGeom>
+          <a:ln w="12700">
+            <a:miter lim="400000"/>
+          </a:ln>
+        </p:spPr>
+      </p:pic>
+      <p:pic>
+        <p:nvPicPr>
+          <p:cNvPr id="97" name="image8.png"/>
+          <p:cNvPicPr/>
+          <p:nvPr/>
+        </p:nvPicPr>
+        <p:blipFill>
+          <a:blip r:embed="rId3">
+            <a:extLst/>
+          </a:blip>
+          <a:stretch>
+            <a:fillRect/>
+          </a:stretch>
+        </p:blipFill>
+        <p:spPr>
+          <a:xfrm>
+            <a:off x="3247837" y="5311466"/>
+            <a:ext cx="7590463" cy="4006079"/>
+          </a:xfrm>
+          <a:prstGeom prst="rect">
+            <a:avLst/>
+          </a:prstGeom>
+          <a:ln w="12700">
+            <a:miter lim="400000"/>
+          </a:ln>
+        </p:spPr>
+      </p:pic>
+    </p:spTree>
+  </p:cSld>
+  <p:clrMapOvr>
+    <a:masterClrMapping/>
+  </p:clrMapOvr>
+  <p:transition spd="med" advClick="1"/>
+</p:sld>
+</file>
+
+<file path=ppt/slides/slide22.xml><?xml version="1.0" encoding="utf-8"?>
+<p:sld xmlns:a="http://schemas.openxmlformats.org/drawingml/2006/main" xmlns:r="http://schemas.openxmlformats.org/officeDocument/2006/relationships" xmlns:p="http://schemas.openxmlformats.org/presentationml/2006/main" showMasterSp="1" showMasterPhAnim="1">
+  <p:cSld>
+    <p:spTree>
+      <p:nvGrpSpPr>
+        <p:cNvPr id="1" name=""/>
+        <p:cNvGrpSpPr/>
+        <p:nvPr/>
+      </p:nvGrpSpPr>
+      <p:grpSpPr>
+        <a:xfrm>
+          <a:off x="0" y="0"/>
+          <a:ext cx="0" cy="0"/>
+          <a:chOff x="0" y="0"/>
+          <a:chExt cx="0" cy="0"/>
+        </a:xfrm>
+      </p:grpSpPr>
+      <p:pic>
+        <p:nvPicPr>
+          <p:cNvPr id="99" name="image9.png"/>
+          <p:cNvPicPr/>
+          <p:nvPr/>
+        </p:nvPicPr>
+        <p:blipFill>
+          <a:blip r:embed="rId2">
+            <a:extLst/>
+          </a:blip>
+          <a:stretch>
+            <a:fillRect/>
+          </a:stretch>
+        </p:blipFill>
+        <p:spPr>
+          <a:xfrm>
+            <a:off x="953771" y="1915531"/>
+            <a:ext cx="12374459" cy="6530966"/>
+          </a:xfrm>
+          <a:prstGeom prst="rect">
+            <a:avLst/>
+          </a:prstGeom>
+          <a:ln w="12700">
+            <a:miter lim="400000"/>
+          </a:ln>
+        </p:spPr>
+      </p:pic>
+      <p:sp>
+        <p:nvSpPr>
+          <p:cNvPr id="100" name="Shape 100"/>
+          <p:cNvSpPr/>
+          <p:nvPr/>
+        </p:nvSpPr>
+        <p:spPr>
+          <a:xfrm>
+            <a:off x="888021" y="1141365"/>
+            <a:ext cx="5879136" cy="647701"/>
+          </a:xfrm>
+          <a:prstGeom prst="rect">
+            <a:avLst/>
+          </a:prstGeom>
+          <a:ln w="12700">
+            <a:miter lim="400000"/>
+          </a:ln>
+          <a:extLst>
+            <a:ext uri="{C572A759-6A51-4108-AA02-DFA0A04FC94B}">
+              <ma14:wrappingTextBoxFlag xmlns:ma14="http://schemas.microsoft.com/office/mac/drawingml/2011/main" val="1"/>
+            </a:ext>
+          </a:extLst>
+        </p:spPr>
+        <p:txBody>
+          <a:bodyPr wrap="none" lIns="50800" tIns="50800" rIns="50800" bIns="50800" anchor="ctr">
+            <a:spAutoFit/>
+          </a:bodyPr>
+          <a:lstStyle>
+            <a:lvl1pPr>
+              <a:defRPr>
+                <a:hlinkClick r:id="rId3" invalidUrl="" action="" tgtFrame="" tooltip="" history="1" highlightClick="0" endSnd="0"/>
+              </a:defRPr>
+            </a:lvl1pPr>
+          </a:lstStyle>
+          <a:p>
+            <a:pPr lvl="0">
+              <a:defRPr sz="1800"/>
+            </a:pPr>
+            <a:r>
+              <a:rPr sz="3600">
+                <a:hlinkClick r:id="rId3" invalidUrl="" action="" tgtFrame="" tooltip="" history="1" highlightClick="0" endSnd="0"/>
+              </a:rPr>
+              <a:t>https://plot.ly/~numb3r3/181</a:t>
             </a:r>
           </a:p>
         </p:txBody>
@@ -2417,95 +4130,109 @@
           </a:prstGeom>
         </p:spPr>
         <p:txBody>
-          <a:bodyPr/>
+          <a:bodyPr anchor="t"/>
           <a:lstStyle/>
           <a:p>
-            <a:pPr lvl="0" marL="360045" indent="-360045" defTabSz="473201">
+            <a:pPr lvl="0" marL="387684" indent="-387684" defTabSz="473201">
               <a:spcBef>
-                <a:spcPts val="3400"/>
+                <a:spcPts val="1100"/>
               </a:spcBef>
-              <a:defRPr sz="1800"/>
-            </a:pPr>
-            <a:r>
-              <a:rPr sz="2916"/>
+              <a:buSzPct val="100000"/>
+              <a:buAutoNum type="arabicPeriod" startAt="1"/>
+              <a:defRPr sz="1800"/>
+            </a:pPr>
+            <a:r>
+              <a:rPr sz="2900"/>
               <a:t>problem – Interaction with the course’s quiz;</a:t>
             </a:r>
-            <a:endParaRPr sz="2916"/>
-          </a:p>
-          <a:p>
-            <a:pPr lvl="0" marL="360045" indent="-360045" defTabSz="473201">
+            <a:endParaRPr sz="2900"/>
+          </a:p>
+          <a:p>
+            <a:pPr lvl="0" marL="387684" indent="-387684" defTabSz="473201">
               <a:spcBef>
-                <a:spcPts val="3400"/>
+                <a:spcPts val="1100"/>
               </a:spcBef>
-              <a:defRPr sz="1800"/>
-            </a:pPr>
-            <a:r>
-              <a:rPr sz="2916"/>
+              <a:buSzPct val="100000"/>
+              <a:buAutoNum type="arabicPeriod" startAt="1"/>
+              <a:defRPr sz="1800"/>
+            </a:pPr>
+            <a:r>
+              <a:rPr sz="2900"/>
               <a:t>video - Interaction with the course’s video;</a:t>
             </a:r>
-            <a:endParaRPr sz="2916"/>
-          </a:p>
-          <a:p>
-            <a:pPr lvl="0" marL="360045" indent="-360045" defTabSz="473201">
+            <a:endParaRPr sz="2900"/>
+          </a:p>
+          <a:p>
+            <a:pPr lvl="0" marL="387684" indent="-387684" defTabSz="473201">
               <a:spcBef>
-                <a:spcPts val="3400"/>
+                <a:spcPts val="1100"/>
               </a:spcBef>
-              <a:defRPr sz="1800"/>
-            </a:pPr>
-            <a:r>
-              <a:rPr sz="2916"/>
+              <a:buSzPct val="100000"/>
+              <a:buAutoNum type="arabicPeriod" startAt="1"/>
+              <a:defRPr sz="1800"/>
+            </a:pPr>
+            <a:r>
+              <a:rPr sz="2900"/>
               <a:t>access – Interaction with other course objects (rather than videos or quizzes);</a:t>
             </a:r>
-            <a:endParaRPr sz="2916"/>
-          </a:p>
-          <a:p>
-            <a:pPr lvl="0" marL="360045" indent="-360045" defTabSz="473201">
+            <a:endParaRPr sz="2900"/>
+          </a:p>
+          <a:p>
+            <a:pPr lvl="0" marL="387684" indent="-387684" defTabSz="473201">
               <a:spcBef>
-                <a:spcPts val="3400"/>
+                <a:spcPts val="1100"/>
               </a:spcBef>
-              <a:defRPr sz="1800"/>
-            </a:pPr>
-            <a:r>
-              <a:rPr sz="2916"/>
+              <a:buSzPct val="100000"/>
+              <a:buAutoNum type="arabicPeriod" startAt="1"/>
+              <a:defRPr sz="1800"/>
+            </a:pPr>
+            <a:r>
+              <a:rPr sz="2900"/>
               <a:t> wiki – Interaction with the course wiki;</a:t>
             </a:r>
-            <a:endParaRPr sz="2916"/>
-          </a:p>
-          <a:p>
-            <a:pPr lvl="0" marL="360045" indent="-360045" defTabSz="473201">
+            <a:endParaRPr sz="2900"/>
+          </a:p>
+          <a:p>
+            <a:pPr lvl="0" marL="387684" indent="-387684" defTabSz="473201">
               <a:spcBef>
-                <a:spcPts val="3400"/>
+                <a:spcPts val="1100"/>
               </a:spcBef>
-              <a:defRPr sz="1800"/>
-            </a:pPr>
-            <a:r>
-              <a:rPr sz="2916"/>
+              <a:buSzPct val="100000"/>
+              <a:buAutoNum type="arabicPeriod" startAt="1"/>
+              <a:defRPr sz="1800"/>
+            </a:pPr>
+            <a:r>
+              <a:rPr sz="2900"/>
               <a:t>discussion – Interaction with the course forum.</a:t>
             </a:r>
-            <a:endParaRPr sz="2916"/>
-          </a:p>
-          <a:p>
-            <a:pPr lvl="0" marL="360045" indent="-360045" defTabSz="473201">
+            <a:endParaRPr sz="2900"/>
+          </a:p>
+          <a:p>
+            <a:pPr lvl="0" marL="387684" indent="-387684" defTabSz="473201">
               <a:spcBef>
-                <a:spcPts val="3400"/>
+                <a:spcPts val="1100"/>
               </a:spcBef>
-              <a:defRPr sz="1800"/>
-            </a:pPr>
-            <a:r>
-              <a:rPr sz="2916"/>
+              <a:buSzPct val="100000"/>
+              <a:buAutoNum type="arabicPeriod" startAt="1"/>
+              <a:defRPr sz="1800"/>
+            </a:pPr>
+            <a:r>
+              <a:rPr sz="2900"/>
               <a:t>navigate - Navigation through the course;</a:t>
             </a:r>
-            <a:endParaRPr sz="2916"/>
-          </a:p>
-          <a:p>
-            <a:pPr lvl="0" marL="360045" indent="-360045" defTabSz="473201">
+            <a:endParaRPr sz="2900"/>
+          </a:p>
+          <a:p>
+            <a:pPr lvl="0" marL="387684" indent="-387684" defTabSz="473201">
               <a:spcBef>
-                <a:spcPts val="3400"/>
+                <a:spcPts val="1100"/>
               </a:spcBef>
-              <a:defRPr sz="1800"/>
-            </a:pPr>
-            <a:r>
-              <a:rPr sz="2916"/>
+              <a:buSzPct val="100000"/>
+              <a:buAutoNum type="arabicPeriod" startAt="1"/>
+              <a:defRPr sz="1800"/>
+            </a:pPr>
+            <a:r>
+              <a:rPr sz="2900"/>
               <a:t>page_close – Leaving the course’s web page.</a:t>
             </a:r>
           </a:p>
@@ -2581,7 +4308,7 @@
           <a:bodyPr/>
           <a:lstStyle/>
           <a:p>
-            <a:pPr lvl="0">
+            <a:pPr lvl="0" marL="889000" indent="-889000">
               <a:defRPr sz="1800"/>
             </a:pPr>
             <a:r>
@@ -2591,7 +4318,7 @@
             <a:endParaRPr sz="3600"/>
           </a:p>
           <a:p>
-            <a:pPr lvl="0">
+            <a:pPr lvl="0" marL="889000" indent="-889000">
               <a:defRPr sz="1800"/>
             </a:pPr>
             <a:r>
@@ -2601,7 +4328,7 @@
             <a:endParaRPr sz="3600"/>
           </a:p>
           <a:p>
-            <a:pPr lvl="0">
+            <a:pPr lvl="0" marL="889000" indent="-889000">
               <a:defRPr sz="1800"/>
             </a:pPr>
             <a:r>
@@ -2666,7 +4393,7 @@
       </p:sp>
       <p:pic>
         <p:nvPicPr>
-          <p:cNvPr id="45" name="user_hist.png"/>
+          <p:cNvPr id="45" name="image2.png"/>
           <p:cNvPicPr/>
           <p:nvPr/>
         </p:nvPicPr>
@@ -2681,7 +4408,7 @@
         <p:spPr>
           <a:xfrm>
             <a:off x="1229413" y="1980587"/>
-            <a:ext cx="10295204" cy="7721403"/>
+            <a:ext cx="10295205" cy="7721404"/>
           </a:xfrm>
           <a:prstGeom prst="rect">
             <a:avLst/>
@@ -2746,7 +4473,7 @@
       </p:sp>
       <p:pic>
         <p:nvPicPr>
-          <p:cNvPr id="48" name="course_hist.png"/>
+          <p:cNvPr id="48" name="image3.png"/>
           <p:cNvPicPr/>
           <p:nvPr/>
         </p:nvPicPr>
@@ -2806,6 +4533,10 @@
           </p:nvPr>
         </p:nvSpPr>
         <p:spPr>
+          <a:xfrm>
+            <a:off x="952500" y="444500"/>
+            <a:ext cx="11099800" cy="2159000"/>
+          </a:xfrm>
           <a:prstGeom prst="rect">
             <a:avLst/>
           </a:prstGeom>
@@ -2826,7 +4557,7 @@
       </p:sp>
       <p:pic>
         <p:nvPicPr>
-          <p:cNvPr id="51" name="duration_hist.png"/>
+          <p:cNvPr id="51" name="image4.png"/>
           <p:cNvPicPr/>
           <p:nvPr/>
         </p:nvPicPr>
@@ -2840,8 +4571,8 @@
         </p:blipFill>
         <p:spPr>
           <a:xfrm>
-            <a:off x="160168" y="2438021"/>
-            <a:ext cx="13004801" cy="6863645"/>
+            <a:off x="160167" y="2438020"/>
+            <a:ext cx="13004803" cy="6863646"/>
           </a:xfrm>
           <a:prstGeom prst="rect">
             <a:avLst/>
@@ -2886,6 +4617,10 @@
           </p:nvPr>
         </p:nvSpPr>
         <p:spPr>
+          <a:xfrm>
+            <a:off x="952500" y="444500"/>
+            <a:ext cx="11099800" cy="2159000"/>
+          </a:xfrm>
           <a:prstGeom prst="rect">
             <a:avLst/>
           </a:prstGeom>
@@ -2906,8 +4641,8 @@
         </p:nvSpPr>
         <p:spPr>
           <a:xfrm>
-            <a:off x="1799125" y="7209583"/>
-            <a:ext cx="9793416" cy="1"/>
+            <a:off x="1799124" y="7209583"/>
+            <a:ext cx="9793418" cy="2"/>
           </a:xfrm>
           <a:prstGeom prst="line">
             <a:avLst/>
@@ -2918,11 +4653,16 @@
           </a:ln>
         </p:spPr>
         <p:txBody>
-          <a:bodyPr lIns="50800" tIns="50800" rIns="50800" bIns="50800" anchor="ctr"/>
+          <a:bodyPr lIns="0" tIns="0" rIns="0" bIns="0"/>
           <a:lstStyle/>
           <a:p>
-            <a:pPr lvl="0">
-              <a:defRPr sz="2400"/>
+            <a:pPr lvl="0" algn="l" defTabSz="457200">
+              <a:defRPr sz="1200">
+                <a:latin typeface="+mj-lt"/>
+                <a:ea typeface="+mj-ea"/>
+                <a:cs typeface="+mj-cs"/>
+                <a:sym typeface="Helvetica"/>
+              </a:defRPr>
             </a:pPr>
           </a:p>
         </p:txBody>
@@ -2935,7 +4675,7 @@
         </p:nvSpPr>
         <p:spPr>
           <a:xfrm>
-            <a:off x="631309" y="7482895"/>
+            <a:off x="631308" y="7482895"/>
             <a:ext cx="2452422" cy="647701"/>
           </a:xfrm>
           <a:prstGeom prst="rect">
@@ -2974,7 +4714,7 @@
         </p:nvSpPr>
         <p:spPr>
           <a:xfrm>
-            <a:off x="10160187" y="7482895"/>
+            <a:off x="10160186" y="7482895"/>
             <a:ext cx="2452422" cy="647701"/>
           </a:xfrm>
           <a:prstGeom prst="rect">
@@ -3014,7 +4754,7 @@
         <p:spPr>
           <a:xfrm>
             <a:off x="1578224" y="6967217"/>
-            <a:ext cx="558592" cy="484734"/>
+            <a:ext cx="558593" cy="484735"/>
           </a:xfrm>
           <a:prstGeom prst="star5">
             <a:avLst>
@@ -3038,7 +4778,7 @@
           </a:effectLst>
         </p:spPr>
         <p:txBody>
-          <a:bodyPr lIns="50800" tIns="50800" rIns="50800" bIns="50800" anchor="ctr"/>
+          <a:bodyPr lIns="0" tIns="0" rIns="0" bIns="0" anchor="ctr"/>
           <a:lstStyle/>
           <a:p>
             <a:pPr lvl="0">
@@ -3060,7 +4800,7 @@
         <p:spPr>
           <a:xfrm>
             <a:off x="11251254" y="6967217"/>
-            <a:ext cx="558591" cy="484734"/>
+            <a:ext cx="558592" cy="484735"/>
           </a:xfrm>
           <a:prstGeom prst="star5">
             <a:avLst>
@@ -3084,7 +4824,7 @@
           </a:effectLst>
         </p:spPr>
         <p:txBody>
-          <a:bodyPr lIns="50800" tIns="50800" rIns="50800" bIns="50800" anchor="ctr"/>
+          <a:bodyPr lIns="0" tIns="0" rIns="0" bIns="0" anchor="ctr"/>
           <a:lstStyle/>
           <a:p>
             <a:pPr lvl="0">
@@ -3132,6 +4872,10 @@
           </p:nvPr>
         </p:nvSpPr>
         <p:spPr>
+          <a:xfrm>
+            <a:off x="952500" y="444500"/>
+            <a:ext cx="11099800" cy="2159000"/>
+          </a:xfrm>
           <a:prstGeom prst="rect">
             <a:avLst/>
           </a:prstGeom>
@@ -3140,7 +4884,7 @@
           <a:bodyPr/>
           <a:lstStyle>
             <a:lvl1pPr defTabSz="490727">
-              <a:defRPr sz="6719"/>
+              <a:defRPr sz="6700"/>
             </a:lvl1pPr>
           </a:lstStyle>
           <a:p>
@@ -3148,7 +4892,7 @@
               <a:defRPr sz="1800"/>
             </a:pPr>
             <a:r>
-              <a:rPr sz="6719"/>
+              <a:rPr sz="6700"/>
               <a:t>Dropout vs Keep per Course</a:t>
             </a:r>
           </a:p>
@@ -3156,7 +4900,7 @@
       </p:sp>
       <p:pic>
         <p:nvPicPr>
-          <p:cNvPr id="61" name="dropout_keep.png"/>
+          <p:cNvPr id="61" name="image6.png"/>
           <p:cNvPicPr/>
           <p:nvPr/>
         </p:nvPicPr>
@@ -3170,8 +4914,8 @@
         </p:blipFill>
         <p:spPr>
           <a:xfrm>
-            <a:off x="269989" y="2302097"/>
-            <a:ext cx="12464822" cy="6578657"/>
+            <a:off x="269988" y="2302097"/>
+            <a:ext cx="12464824" cy="6578658"/>
           </a:xfrm>
           <a:prstGeom prst="rect">
             <a:avLst/>
@@ -3191,9 +4935,9 @@
 </file>
 
 <file path=ppt/theme/theme1.xml><?xml version="1.0" encoding="utf-8"?>
-<a:theme xmlns:a="http://schemas.openxmlformats.org/drawingml/2006/main" xmlns:r="http://schemas.openxmlformats.org/officeDocument/2006/relationships" name="White">
+<a:theme xmlns:a="http://schemas.openxmlformats.org/drawingml/2006/main" xmlns:r="http://schemas.openxmlformats.org/officeDocument/2006/relationships" name="Default">
   <a:themeElements>
-    <a:clrScheme name="White">
+    <a:clrScheme name="Default">
       <a:dk1>
         <a:srgbClr val="000000"/>
       </a:dk1>
@@ -3201,10 +4945,10 @@
         <a:srgbClr val="FFFFFF"/>
       </a:lt1>
       <a:dk2>
-        <a:srgbClr val="53585F"/>
+        <a:srgbClr val="A7A7A7"/>
       </a:dk2>
       <a:lt2>
-        <a:srgbClr val="DCDEE0"/>
+        <a:srgbClr val="535353"/>
       </a:lt2>
       <a:accent1>
         <a:srgbClr val="0365C0"/>
@@ -3231,19 +4975,19 @@
         <a:srgbClr val="FF00FF"/>
       </a:folHlink>
     </a:clrScheme>
-    <a:fontScheme name="White">
+    <a:fontScheme name="Default">
       <a:majorFont>
-        <a:latin typeface="Helvetica Light"/>
-        <a:ea typeface="Helvetica Light"/>
-        <a:cs typeface="Helvetica Light"/>
+        <a:latin typeface="Helvetica"/>
+        <a:ea typeface="Helvetica"/>
+        <a:cs typeface="Helvetica"/>
       </a:majorFont>
       <a:minorFont>
-        <a:latin typeface="Helvetica Light"/>
-        <a:ea typeface="Helvetica Light"/>
-        <a:cs typeface="Helvetica Light"/>
+        <a:latin typeface="Helvetica Neue"/>
+        <a:ea typeface="Helvetica Neue"/>
+        <a:cs typeface="Helvetica Neue"/>
       </a:minorFont>
     </a:fontScheme>
-    <a:fmtScheme name="White">
+    <a:fmtScheme name="Default">
       <a:fillStyleLst>
         <a:solidFill>
           <a:schemeClr val="phClr"/>
@@ -3326,7 +5070,7 @@
         </a:effectStyle>
         <a:effectStyle>
           <a:effectLst>
-            <a:outerShdw sx="100000" sy="100000" kx="0" ky="0" algn="b" rotWithShape="0" blurRad="50800" dist="12700" dir="0">
+            <a:outerShdw sx="100000" sy="100000" kx="0" ky="0" algn="b" rotWithShape="0" blurRad="38100" dist="25400" dir="5400000">
               <a:srgbClr val="000000">
                 <a:alpha val="50000"/>
               </a:srgbClr>
@@ -3398,14 +5142,15 @@
   <a:objectDefaults>
     <a:spDef>
       <a:spPr>
-        <a:blipFill rotWithShape="1">
-          <a:blip r:embed="rId1"/>
-          <a:srcRect l="0" t="0" r="0" b="0"/>
-          <a:tile tx="0" ty="0" sx="100000" sy="100000" flip="none" algn="tl"/>
-        </a:blipFill>
-        <a:ln w="12700" cap="flat">
-          <a:noFill/>
-          <a:miter lim="400000"/>
+        <a:solidFill>
+          <a:srgbClr val="FFFFFF"/>
+        </a:solidFill>
+        <a:ln w="25400" cap="flat">
+          <a:solidFill>
+            <a:srgbClr val="0365C0"/>
+          </a:solidFill>
+          <a:prstDash val="solid"/>
+          <a:bevel/>
         </a:ln>
         <a:effectLst>
           <a:outerShdw sx="100000" sy="100000" kx="0" ky="0" algn="b" rotWithShape="0" blurRad="38100" dist="25400" dir="5400000">
@@ -3434,18 +5179,18 @@
           <a:buFontTx/>
           <a:buNone/>
           <a:tabLst/>
-          <a:defRPr b="0" baseline="0" cap="none" i="0" spc="0" strike="noStrike" sz="2400" u="none" kumimoji="0" normalizeH="0">
+          <a:defRPr b="0" baseline="0" cap="none" i="0" spc="0" strike="noStrike" sz="3600" u="none" kumimoji="0" normalizeH="0">
             <a:ln>
               <a:noFill/>
             </a:ln>
             <a:solidFill>
-              <a:srgbClr val="FFFFFF"/>
+              <a:srgbClr val="000000"/>
             </a:solidFill>
             <a:effectLst/>
             <a:uFillTx/>
-            <a:latin typeface="+mn-lt"/>
-            <a:ea typeface="+mn-ea"/>
-            <a:cs typeface="+mn-cs"/>
+            <a:latin typeface="Helvetica Light"/>
+            <a:ea typeface="Helvetica Light"/>
+            <a:cs typeface="Helvetica Light"/>
             <a:sym typeface="Helvetica Light"/>
           </a:defRPr>
         </a:defPPr>
@@ -3696,12 +5441,18 @@
         <a:noFill/>
         <a:ln w="25400" cap="flat">
           <a:solidFill>
-            <a:srgbClr val="000000"/>
+            <a:srgbClr val="0365C0"/>
           </a:solidFill>
           <a:prstDash val="solid"/>
-          <a:miter lim="400000"/>
+          <a:bevel/>
         </a:ln>
-        <a:effectLst/>
+        <a:effectLst>
+          <a:outerShdw sx="100000" sy="100000" kx="0" ky="0" algn="b" rotWithShape="0" blurRad="38100" dist="25400" dir="5400000">
+            <a:srgbClr val="000000">
+              <a:alpha val="50000"/>
+            </a:srgbClr>
+          </a:outerShdw>
+        </a:effectLst>
       </a:spPr>
       <a:bodyPr rot="0" spcFirstLastPara="1" vertOverflow="overflow" horzOverflow="overflow" vert="horz" wrap="square" lIns="91439" tIns="45719" rIns="91439" bIns="45719" numCol="1" spcCol="38100" rtlCol="0" anchor="t" upright="0">
         <a:noAutofit/>
@@ -4012,9 +5763,9 @@
             </a:solidFill>
             <a:effectLst/>
             <a:uFillTx/>
-            <a:latin typeface="+mn-lt"/>
-            <a:ea typeface="+mn-ea"/>
-            <a:cs typeface="+mn-cs"/>
+            <a:latin typeface="Helvetica Light"/>
+            <a:ea typeface="Helvetica Light"/>
+            <a:cs typeface="Helvetica Light"/>
             <a:sym typeface="Helvetica Light"/>
           </a:defRPr>
         </a:defPPr>
@@ -4265,9 +6016,9 @@
 </file>
 
 <file path=ppt/theme/theme2.xml><?xml version="1.0" encoding="utf-8"?>
-<a:theme xmlns:a="http://schemas.openxmlformats.org/drawingml/2006/main" xmlns:r="http://schemas.openxmlformats.org/officeDocument/2006/relationships" name="White">
+<a:theme xmlns:a="http://schemas.openxmlformats.org/drawingml/2006/main" xmlns:r="http://schemas.openxmlformats.org/officeDocument/2006/relationships" name="Default">
   <a:themeElements>
-    <a:clrScheme name="White">
+    <a:clrScheme name="Default">
       <a:dk1>
         <a:srgbClr val="000000"/>
       </a:dk1>
@@ -4275,10 +6026,10 @@
         <a:srgbClr val="FFFFFF"/>
       </a:lt1>
       <a:dk2>
-        <a:srgbClr val="53585F"/>
+        <a:srgbClr val="A7A7A7"/>
       </a:dk2>
       <a:lt2>
-        <a:srgbClr val="DCDEE0"/>
+        <a:srgbClr val="535353"/>
       </a:lt2>
       <a:accent1>
         <a:srgbClr val="0365C0"/>
@@ -4305,19 +6056,19 @@
         <a:srgbClr val="FF00FF"/>
       </a:folHlink>
     </a:clrScheme>
-    <a:fontScheme name="White">
+    <a:fontScheme name="Default">
       <a:majorFont>
-        <a:latin typeface="Helvetica Light"/>
-        <a:ea typeface="Helvetica Light"/>
-        <a:cs typeface="Helvetica Light"/>
+        <a:latin typeface="Helvetica"/>
+        <a:ea typeface="Helvetica"/>
+        <a:cs typeface="Helvetica"/>
       </a:majorFont>
       <a:minorFont>
-        <a:latin typeface="Helvetica Light"/>
-        <a:ea typeface="Helvetica Light"/>
-        <a:cs typeface="Helvetica Light"/>
+        <a:latin typeface="Helvetica Neue"/>
+        <a:ea typeface="Helvetica Neue"/>
+        <a:cs typeface="Helvetica Neue"/>
       </a:minorFont>
     </a:fontScheme>
-    <a:fmtScheme name="White">
+    <a:fmtScheme name="Default">
       <a:fillStyleLst>
         <a:solidFill>
           <a:schemeClr val="phClr"/>
@@ -4400,7 +6151,7 @@
         </a:effectStyle>
         <a:effectStyle>
           <a:effectLst>
-            <a:outerShdw sx="100000" sy="100000" kx="0" ky="0" algn="b" rotWithShape="0" blurRad="50800" dist="12700" dir="0">
+            <a:outerShdw sx="100000" sy="100000" kx="0" ky="0" algn="b" rotWithShape="0" blurRad="38100" dist="25400" dir="5400000">
               <a:srgbClr val="000000">
                 <a:alpha val="50000"/>
               </a:srgbClr>
@@ -4472,14 +6223,15 @@
   <a:objectDefaults>
     <a:spDef>
       <a:spPr>
-        <a:blipFill rotWithShape="1">
-          <a:blip r:embed="rId1"/>
-          <a:srcRect l="0" t="0" r="0" b="0"/>
-          <a:tile tx="0" ty="0" sx="100000" sy="100000" flip="none" algn="tl"/>
-        </a:blipFill>
-        <a:ln w="12700" cap="flat">
-          <a:noFill/>
-          <a:miter lim="400000"/>
+        <a:solidFill>
+          <a:srgbClr val="FFFFFF"/>
+        </a:solidFill>
+        <a:ln w="25400" cap="flat">
+          <a:solidFill>
+            <a:srgbClr val="0365C0"/>
+          </a:solidFill>
+          <a:prstDash val="solid"/>
+          <a:bevel/>
         </a:ln>
         <a:effectLst>
           <a:outerShdw sx="100000" sy="100000" kx="0" ky="0" algn="b" rotWithShape="0" blurRad="38100" dist="25400" dir="5400000">
@@ -4508,18 +6260,18 @@
           <a:buFontTx/>
           <a:buNone/>
           <a:tabLst/>
-          <a:defRPr b="0" baseline="0" cap="none" i="0" spc="0" strike="noStrike" sz="2400" u="none" kumimoji="0" normalizeH="0">
+          <a:defRPr b="0" baseline="0" cap="none" i="0" spc="0" strike="noStrike" sz="3600" u="none" kumimoji="0" normalizeH="0">
             <a:ln>
               <a:noFill/>
             </a:ln>
             <a:solidFill>
-              <a:srgbClr val="FFFFFF"/>
+              <a:srgbClr val="000000"/>
             </a:solidFill>
             <a:effectLst/>
             <a:uFillTx/>
-            <a:latin typeface="+mn-lt"/>
-            <a:ea typeface="+mn-ea"/>
-            <a:cs typeface="+mn-cs"/>
+            <a:latin typeface="Helvetica Light"/>
+            <a:ea typeface="Helvetica Light"/>
+            <a:cs typeface="Helvetica Light"/>
             <a:sym typeface="Helvetica Light"/>
           </a:defRPr>
         </a:defPPr>
@@ -4770,12 +6522,18 @@
         <a:noFill/>
         <a:ln w="25400" cap="flat">
           <a:solidFill>
-            <a:srgbClr val="000000"/>
+            <a:srgbClr val="0365C0"/>
           </a:solidFill>
           <a:prstDash val="solid"/>
-          <a:miter lim="400000"/>
+          <a:bevel/>
         </a:ln>
-        <a:effectLst/>
+        <a:effectLst>
+          <a:outerShdw sx="100000" sy="100000" kx="0" ky="0" algn="b" rotWithShape="0" blurRad="38100" dist="25400" dir="5400000">
+            <a:srgbClr val="000000">
+              <a:alpha val="50000"/>
+            </a:srgbClr>
+          </a:outerShdw>
+        </a:effectLst>
       </a:spPr>
       <a:bodyPr rot="0" spcFirstLastPara="1" vertOverflow="overflow" horzOverflow="overflow" vert="horz" wrap="square" lIns="91439" tIns="45719" rIns="91439" bIns="45719" numCol="1" spcCol="38100" rtlCol="0" anchor="t" upright="0">
         <a:noAutofit/>
@@ -5086,9 +6844,9 @@
             </a:solidFill>
             <a:effectLst/>
             <a:uFillTx/>
-            <a:latin typeface="+mn-lt"/>
-            <a:ea typeface="+mn-ea"/>
-            <a:cs typeface="+mn-cs"/>
+            <a:latin typeface="Helvetica Light"/>
+            <a:ea typeface="Helvetica Light"/>
+            <a:cs typeface="Helvetica Light"/>
             <a:sym typeface="Helvetica Light"/>
           </a:defRPr>
         </a:defPPr>
